--- a/HW3/PA-3/PA-3.pptx
+++ b/HW3/PA-3/PA-3.pptx
@@ -586,35 +586,35 @@
           <a:p>
             <a:pPr lvl="0"/>
             <a:r>
-              <a:rPr lang="en-US" altLang="zh-TW" noProof="0" smtClean="0"/>
+              <a:rPr lang="en-US" altLang="zh-TW" noProof="0"/>
               <a:t>Click to edit Master text styles</a:t>
             </a:r>
           </a:p>
           <a:p>
             <a:pPr lvl="1"/>
             <a:r>
-              <a:rPr lang="en-US" altLang="zh-TW" noProof="0" smtClean="0"/>
+              <a:rPr lang="en-US" altLang="zh-TW" noProof="0"/>
               <a:t>Second level</a:t>
             </a:r>
           </a:p>
           <a:p>
             <a:pPr lvl="2"/>
             <a:r>
-              <a:rPr lang="en-US" altLang="zh-TW" noProof="0" smtClean="0"/>
+              <a:rPr lang="en-US" altLang="zh-TW" noProof="0"/>
               <a:t>Third level</a:t>
             </a:r>
           </a:p>
           <a:p>
             <a:pPr lvl="3"/>
             <a:r>
-              <a:rPr lang="en-US" altLang="zh-TW" noProof="0" smtClean="0"/>
+              <a:rPr lang="en-US" altLang="zh-TW" noProof="0"/>
               <a:t>Fourth level</a:t>
             </a:r>
           </a:p>
           <a:p>
             <a:pPr lvl="4"/>
             <a:r>
-              <a:rPr lang="en-US" altLang="zh-TW" noProof="0" smtClean="0"/>
+              <a:rPr lang="en-US" altLang="zh-TW" noProof="0"/>
               <a:t>Fifth level</a:t>
             </a:r>
           </a:p>
@@ -939,6 +939,1015 @@
     <p:extLst>
       <p:ext uri="{BB962C8B-B14F-4D97-AF65-F5344CB8AC3E}">
         <p14:creationId xmlns:p14="http://schemas.microsoft.com/office/powerpoint/2010/main" val="1909032656"/>
+      </p:ext>
+    </p:extLst>
+  </p:cSld>
+  <p:clrMapOvr>
+    <a:masterClrMapping/>
+  </p:clrMapOvr>
+</p:notes>
+</file>
+
+<file path=ppt/notesSlides/notesSlide2.xml><?xml version="1.0" encoding="utf-8"?>
+<p:notes xmlns:a="http://schemas.openxmlformats.org/drawingml/2006/main" xmlns:r="http://schemas.openxmlformats.org/officeDocument/2006/relationships" xmlns:p="http://schemas.openxmlformats.org/presentationml/2006/main">
+  <p:cSld>
+    <p:spTree>
+      <p:nvGrpSpPr>
+        <p:cNvPr id="1" name=""/>
+        <p:cNvGrpSpPr/>
+        <p:nvPr/>
+      </p:nvGrpSpPr>
+      <p:grpSpPr>
+        <a:xfrm>
+          <a:off x="0" y="0"/>
+          <a:ext cx="0" cy="0"/>
+          <a:chOff x="0" y="0"/>
+          <a:chExt cx="0" cy="0"/>
+        </a:xfrm>
+      </p:grpSpPr>
+      <p:sp>
+        <p:nvSpPr>
+          <p:cNvPr id="2" name="投影片影像版面配置區 1"/>
+          <p:cNvSpPr>
+            <a:spLocks noGrp="1" noRot="1" noChangeAspect="1"/>
+          </p:cNvSpPr>
+          <p:nvPr>
+            <p:ph type="sldImg"/>
+          </p:nvPr>
+        </p:nvSpPr>
+        <p:spPr/>
+      </p:sp>
+      <p:sp>
+        <p:nvSpPr>
+          <p:cNvPr id="3" name="備忘稿版面配置區 2"/>
+          <p:cNvSpPr>
+            <a:spLocks noGrp="1"/>
+          </p:cNvSpPr>
+          <p:nvPr>
+            <p:ph type="body" idx="1"/>
+          </p:nvPr>
+        </p:nvSpPr>
+        <p:spPr/>
+        <p:txBody>
+          <a:bodyPr/>
+          <a:lstStyle/>
+          <a:p>
+            <a:r>
+              <a:rPr kumimoji="1" lang="en-US" altLang="zh-TW" sz="1400" b="0" i="0" kern="1200" dirty="0">
+                <a:solidFill>
+                  <a:schemeClr val="tx1"/>
+                </a:solidFill>
+                <a:effectLst/>
+                <a:latin typeface="Arial" charset="0"/>
+                <a:ea typeface="新細明體" pitchFamily="18" charset="-120"/>
+                <a:cs typeface="+mn-cs"/>
+              </a:rPr>
+              <a:t>vocabulary</a:t>
+            </a:r>
+            <a:r>
+              <a:rPr kumimoji="1" lang="zh-TW" altLang="en-US" sz="1400" b="0" i="0" kern="1200" dirty="0">
+                <a:solidFill>
+                  <a:schemeClr val="tx1"/>
+                </a:solidFill>
+                <a:effectLst/>
+                <a:latin typeface="Arial" charset="0"/>
+                <a:ea typeface="新細明體" pitchFamily="18" charset="-120"/>
+                <a:cs typeface="+mn-cs"/>
+              </a:rPr>
+              <a:t>是</a:t>
+            </a:r>
+            <a:r>
+              <a:rPr kumimoji="1" lang="en-US" altLang="zh-TW" sz="1400" b="0" i="0" kern="1200" dirty="0">
+                <a:solidFill>
+                  <a:schemeClr val="tx1"/>
+                </a:solidFill>
+                <a:effectLst/>
+                <a:latin typeface="Arial" charset="0"/>
+                <a:ea typeface="新細明體" pitchFamily="18" charset="-120"/>
+                <a:cs typeface="+mn-cs"/>
+              </a:rPr>
+              <a:t>15</a:t>
+            </a:r>
+            <a:r>
+              <a:rPr kumimoji="1" lang="zh-TW" altLang="en-US" sz="1400" b="0" i="0" kern="1200" dirty="0">
+                <a:solidFill>
+                  <a:schemeClr val="tx1"/>
+                </a:solidFill>
+                <a:effectLst/>
+                <a:latin typeface="Arial" charset="0"/>
+                <a:ea typeface="新細明體" pitchFamily="18" charset="-120"/>
+                <a:cs typeface="+mn-cs"/>
+              </a:rPr>
+              <a:t>個</a:t>
+            </a:r>
+            <a:r>
+              <a:rPr kumimoji="1" lang="en" altLang="zh-TW" sz="1400" b="0" i="0" kern="1200" dirty="0">
+                <a:solidFill>
+                  <a:schemeClr val="tx1"/>
+                </a:solidFill>
+                <a:effectLst/>
+                <a:latin typeface="Arial" charset="0"/>
+                <a:ea typeface="新細明體" pitchFamily="18" charset="-120"/>
+                <a:cs typeface="+mn-cs"/>
+              </a:rPr>
+              <a:t>training class</a:t>
+            </a:r>
+            <a:r>
+              <a:rPr kumimoji="1" lang="zh-TW" altLang="en-US" sz="1400" b="0" i="0" kern="1200" dirty="0">
+                <a:solidFill>
+                  <a:schemeClr val="tx1"/>
+                </a:solidFill>
+                <a:effectLst/>
+                <a:latin typeface="Arial" charset="0"/>
+                <a:ea typeface="新細明體" pitchFamily="18" charset="-120"/>
+                <a:cs typeface="+mn-cs"/>
+              </a:rPr>
+              <a:t>的</a:t>
+            </a:r>
+            <a:r>
+              <a:rPr kumimoji="1" lang="en" altLang="zh-TW" sz="1400" b="0" i="0" kern="1200" dirty="0">
+                <a:solidFill>
+                  <a:schemeClr val="tx1"/>
+                </a:solidFill>
+                <a:effectLst/>
+                <a:latin typeface="Arial" charset="0"/>
+                <a:ea typeface="新細明體" pitchFamily="18" charset="-120"/>
+                <a:cs typeface="+mn-cs"/>
+              </a:rPr>
+              <a:t>term</a:t>
+            </a:r>
+            <a:r>
+              <a:rPr kumimoji="1" lang="zh-CN" altLang="en-US" sz="1400" b="0" i="0" kern="1200" dirty="0">
+                <a:solidFill>
+                  <a:schemeClr val="tx1"/>
+                </a:solidFill>
+                <a:effectLst/>
+                <a:latin typeface="Arial" charset="0"/>
+                <a:ea typeface="新細明體" pitchFamily="18" charset="-120"/>
+                <a:cs typeface="+mn-cs"/>
+              </a:rPr>
+              <a:t>經過</a:t>
+            </a:r>
+            <a:r>
+              <a:rPr kumimoji="1" lang="en-US" altLang="zh-CN" sz="1400" b="0" i="0" kern="1200" dirty="0">
+                <a:solidFill>
+                  <a:schemeClr val="tx1"/>
+                </a:solidFill>
+                <a:effectLst/>
+                <a:latin typeface="Arial" charset="0"/>
+                <a:ea typeface="新細明體" pitchFamily="18" charset="-120"/>
+                <a:cs typeface="+mn-cs"/>
+              </a:rPr>
+              <a:t>feature selection</a:t>
+            </a:r>
+            <a:r>
+              <a:rPr kumimoji="1" lang="zh-CN" altLang="en-US" sz="1400" b="0" i="0" kern="1200" dirty="0">
+                <a:solidFill>
+                  <a:schemeClr val="tx1"/>
+                </a:solidFill>
+                <a:effectLst/>
+                <a:latin typeface="Arial" charset="0"/>
+                <a:ea typeface="新細明體" pitchFamily="18" charset="-120"/>
+                <a:cs typeface="+mn-cs"/>
+              </a:rPr>
+              <a:t>後剩下的</a:t>
+            </a:r>
+            <a:r>
+              <a:rPr kumimoji="1" lang="en-US" altLang="zh-CN" sz="1400" b="0" i="0" kern="1200" dirty="0">
+                <a:solidFill>
+                  <a:schemeClr val="tx1"/>
+                </a:solidFill>
+                <a:effectLst/>
+                <a:latin typeface="Arial" charset="0"/>
+                <a:ea typeface="新細明體" pitchFamily="18" charset="-120"/>
+                <a:cs typeface="+mn-cs"/>
+              </a:rPr>
+              <a:t>500</a:t>
+            </a:r>
+            <a:r>
+              <a:rPr kumimoji="1" lang="zh-CN" altLang="en-US" sz="1400" b="0" i="0" kern="1200" dirty="0">
+                <a:solidFill>
+                  <a:schemeClr val="tx1"/>
+                </a:solidFill>
+                <a:effectLst/>
+                <a:latin typeface="Arial" charset="0"/>
+                <a:ea typeface="新細明體" pitchFamily="18" charset="-120"/>
+                <a:cs typeface="+mn-cs"/>
+              </a:rPr>
+              <a:t>個</a:t>
+            </a:r>
+            <a:r>
+              <a:rPr kumimoji="1" lang="en-US" altLang="zh-CN" sz="1400" b="0" i="0" kern="1200" dirty="0">
+                <a:solidFill>
+                  <a:schemeClr val="tx1"/>
+                </a:solidFill>
+                <a:effectLst/>
+                <a:latin typeface="Arial" charset="0"/>
+                <a:ea typeface="新細明體" pitchFamily="18" charset="-120"/>
+                <a:cs typeface="+mn-cs"/>
+              </a:rPr>
+              <a:t>term</a:t>
+            </a:r>
+            <a:r>
+              <a:rPr kumimoji="1" lang="zh-TW" altLang="en-US" sz="1400" b="0" i="0" kern="1200" dirty="0">
+                <a:solidFill>
+                  <a:schemeClr val="tx1"/>
+                </a:solidFill>
+                <a:effectLst/>
+                <a:latin typeface="Arial" charset="0"/>
+                <a:ea typeface="新細明體" pitchFamily="18" charset="-120"/>
+                <a:cs typeface="+mn-cs"/>
+              </a:rPr>
+              <a:t> </a:t>
+            </a:r>
+            <a:r>
+              <a:rPr kumimoji="1" lang="en-US" altLang="zh-TW" sz="1400" b="0" i="0" kern="1200" dirty="0">
+                <a:solidFill>
+                  <a:schemeClr val="tx1"/>
+                </a:solidFill>
+                <a:effectLst/>
+                <a:latin typeface="Arial" charset="0"/>
+                <a:ea typeface="新細明體" pitchFamily="18" charset="-120"/>
+                <a:cs typeface="+mn-cs"/>
+              </a:rPr>
+              <a:t>(</a:t>
+            </a:r>
+            <a:r>
+              <a:rPr kumimoji="1" lang="en" altLang="zh-TW" sz="1200" b="0" i="0" kern="1200" dirty="0">
+                <a:solidFill>
+                  <a:schemeClr val="tx1"/>
+                </a:solidFill>
+                <a:effectLst/>
+                <a:latin typeface="Arial" charset="0"/>
+                <a:ea typeface="新細明體" pitchFamily="18" charset="-120"/>
+                <a:cs typeface="+mn-cs"/>
+              </a:rPr>
+              <a:t>|V|)</a:t>
+            </a:r>
+            <a:br>
+              <a:rPr lang="zh-TW" altLang="en-US" sz="1400" dirty="0"/>
+            </a:br>
+            <a:r>
+              <a:rPr kumimoji="1" lang="zh-TW" altLang="en-US" sz="1400" b="0" i="0" kern="1200" dirty="0">
+                <a:solidFill>
+                  <a:schemeClr val="tx1"/>
+                </a:solidFill>
+                <a:effectLst/>
+                <a:latin typeface="Arial" charset="0"/>
+                <a:ea typeface="新細明體" pitchFamily="18" charset="-120"/>
+                <a:cs typeface="+mn-cs"/>
+              </a:rPr>
+              <a:t>然後將</a:t>
+            </a:r>
+            <a:r>
+              <a:rPr kumimoji="1" lang="zh-TW" altLang="en-US" sz="1400" b="0" i="0" u="none" kern="1200" dirty="0">
+                <a:solidFill>
+                  <a:schemeClr val="tx1"/>
+                </a:solidFill>
+                <a:effectLst/>
+                <a:latin typeface="Arial" charset="0"/>
+                <a:ea typeface="新細明體" pitchFamily="18" charset="-120"/>
+                <a:cs typeface="+mn-cs"/>
+                <a:hlinkClick r:id="rId3">
+                  <a:extLst>
+                    <a:ext uri="{A12FA001-AC4F-418D-AE19-62706E023703}">
+                      <ahyp:hlinkClr xmlns:ahyp="http://schemas.microsoft.com/office/drawing/2018/hyperlinkcolor" val="tx"/>
+                    </a:ext>
+                  </a:extLst>
+                </a:hlinkClick>
+              </a:rPr>
+              <a:t>這</a:t>
+            </a:r>
+            <a:r>
+              <a:rPr kumimoji="1" lang="en-US" altLang="zh-TW" sz="1400" b="0" i="0" u="none" kern="1200" dirty="0">
+                <a:solidFill>
+                  <a:schemeClr val="tx1"/>
+                </a:solidFill>
+                <a:effectLst/>
+                <a:latin typeface="Arial" charset="0"/>
+                <a:ea typeface="新細明體" pitchFamily="18" charset="-120"/>
+                <a:cs typeface="+mn-cs"/>
+                <a:hlinkClick r:id="rId3">
+                  <a:extLst>
+                    <a:ext uri="{A12FA001-AC4F-418D-AE19-62706E023703}">
+                      <ahyp:hlinkClr xmlns:ahyp="http://schemas.microsoft.com/office/drawing/2018/hyperlinkcolor" val="tx"/>
+                    </a:ext>
+                  </a:extLst>
+                </a:hlinkClick>
+              </a:rPr>
+              <a:t>15</a:t>
+            </a:r>
+            <a:r>
+              <a:rPr kumimoji="1" lang="zh-TW" altLang="en-US" sz="1400" b="0" i="0" u="none" kern="1200" dirty="0">
+                <a:solidFill>
+                  <a:schemeClr val="tx1"/>
+                </a:solidFill>
+                <a:effectLst/>
+                <a:latin typeface="Arial" charset="0"/>
+                <a:ea typeface="新細明體" pitchFamily="18" charset="-120"/>
+                <a:cs typeface="+mn-cs"/>
+                <a:hlinkClick r:id="rId3">
+                  <a:extLst>
+                    <a:ext uri="{A12FA001-AC4F-418D-AE19-62706E023703}">
+                      <ahyp:hlinkClr xmlns:ahyp="http://schemas.microsoft.com/office/drawing/2018/hyperlinkcolor" val="tx"/>
+                    </a:ext>
+                  </a:extLst>
+                </a:hlinkClick>
+              </a:rPr>
+              <a:t>個</a:t>
+            </a:r>
+            <a:r>
+              <a:rPr kumimoji="1" lang="en" altLang="zh-TW" sz="1400" b="0" i="0" kern="1200" dirty="0">
+                <a:solidFill>
+                  <a:schemeClr val="tx1"/>
+                </a:solidFill>
+                <a:effectLst/>
+                <a:latin typeface="Arial" charset="0"/>
+                <a:ea typeface="新細明體" pitchFamily="18" charset="-120"/>
+                <a:cs typeface="+mn-cs"/>
+              </a:rPr>
+              <a:t>class</a:t>
+            </a:r>
+            <a:r>
+              <a:rPr kumimoji="1" lang="zh-TW" altLang="en-US" sz="1400" b="0" i="0" kern="1200" dirty="0">
+                <a:solidFill>
+                  <a:schemeClr val="tx1"/>
+                </a:solidFill>
+                <a:effectLst/>
+                <a:latin typeface="Arial" charset="0"/>
+                <a:ea typeface="新細明體" pitchFamily="18" charset="-120"/>
+                <a:cs typeface="+mn-cs"/>
+              </a:rPr>
+              <a:t>的所有</a:t>
+            </a:r>
+            <a:r>
+              <a:rPr kumimoji="1" lang="en" altLang="zh-TW" sz="1400" b="0" i="0" kern="1200" dirty="0">
+                <a:solidFill>
+                  <a:schemeClr val="tx1"/>
+                </a:solidFill>
+                <a:effectLst/>
+                <a:latin typeface="Arial" charset="0"/>
+                <a:ea typeface="新細明體" pitchFamily="18" charset="-120"/>
+                <a:cs typeface="+mn-cs"/>
+              </a:rPr>
+              <a:t>term</a:t>
+            </a:r>
+            <a:r>
+              <a:rPr kumimoji="1" lang="zh-TW" altLang="en-US" sz="1400" b="0" i="0" kern="1200" dirty="0">
+                <a:solidFill>
+                  <a:schemeClr val="tx1"/>
+                </a:solidFill>
+                <a:effectLst/>
+                <a:latin typeface="Arial" charset="0"/>
+                <a:ea typeface="新細明體" pitchFamily="18" charset="-120"/>
+                <a:cs typeface="+mn-cs"/>
+              </a:rPr>
+              <a:t>用</a:t>
+            </a:r>
+            <a:r>
+              <a:rPr kumimoji="1" lang="en" altLang="zh-TW" sz="1400" b="0" i="0" kern="1200" dirty="0">
+                <a:solidFill>
+                  <a:schemeClr val="tx1"/>
+                </a:solidFill>
+                <a:effectLst/>
+                <a:latin typeface="Arial" charset="0"/>
+                <a:ea typeface="新細明體" pitchFamily="18" charset="-120"/>
+                <a:cs typeface="+mn-cs"/>
+              </a:rPr>
+              <a:t>feature selection</a:t>
+            </a:r>
+            <a:r>
+              <a:rPr kumimoji="1" lang="zh-TW" altLang="en-US" sz="1400" b="0" i="0" kern="1200" dirty="0">
+                <a:solidFill>
+                  <a:schemeClr val="tx1"/>
+                </a:solidFill>
+                <a:effectLst/>
+                <a:latin typeface="Arial" charset="0"/>
+                <a:ea typeface="新細明體" pitchFamily="18" charset="-120"/>
+                <a:cs typeface="+mn-cs"/>
+              </a:rPr>
+              <a:t>篩選掉剩</a:t>
+            </a:r>
+            <a:r>
+              <a:rPr kumimoji="1" lang="en-US" altLang="zh-TW" sz="1400" b="0" i="0" kern="1200" dirty="0">
+                <a:solidFill>
+                  <a:schemeClr val="tx1"/>
+                </a:solidFill>
+                <a:effectLst/>
+                <a:latin typeface="Arial" charset="0"/>
+                <a:ea typeface="新細明體" pitchFamily="18" charset="-120"/>
+                <a:cs typeface="+mn-cs"/>
+              </a:rPr>
+              <a:t>500</a:t>
+            </a:r>
+            <a:r>
+              <a:rPr kumimoji="1" lang="zh-TW" altLang="en-US" sz="1400" b="0" i="0" kern="1200" dirty="0">
+                <a:solidFill>
+                  <a:schemeClr val="tx1"/>
+                </a:solidFill>
+                <a:effectLst/>
+                <a:latin typeface="Arial" charset="0"/>
+                <a:ea typeface="新細明體" pitchFamily="18" charset="-120"/>
+                <a:cs typeface="+mn-cs"/>
+              </a:rPr>
+              <a:t>個</a:t>
+            </a:r>
+            <a:r>
+              <a:rPr kumimoji="1" lang="en-US" altLang="zh-TW" sz="1400" b="0" i="0" kern="1200" dirty="0">
+                <a:solidFill>
+                  <a:schemeClr val="tx1"/>
+                </a:solidFill>
+                <a:effectLst/>
+                <a:latin typeface="Arial" charset="0"/>
+                <a:ea typeface="新細明體" pitchFamily="18" charset="-120"/>
+                <a:cs typeface="+mn-cs"/>
+              </a:rPr>
+              <a:t>term</a:t>
+            </a:r>
+            <a:br>
+              <a:rPr lang="zh-TW" altLang="en-US" sz="1400" dirty="0"/>
+            </a:br>
+            <a:r>
+              <a:rPr kumimoji="1" lang="zh-CN" altLang="en-US" sz="1400" b="0" i="0" kern="1200" dirty="0">
+                <a:solidFill>
+                  <a:schemeClr val="tx1"/>
+                </a:solidFill>
+                <a:effectLst/>
+                <a:latin typeface="Arial" charset="0"/>
+                <a:ea typeface="新細明體" pitchFamily="18" charset="-120"/>
+                <a:cs typeface="+mn-cs"/>
+              </a:rPr>
+              <a:t>扣掉當</a:t>
+            </a:r>
+            <a:r>
+              <a:rPr kumimoji="1" lang="en-US" altLang="zh-CN" sz="1400" b="0" i="0" kern="1200" dirty="0">
+                <a:solidFill>
+                  <a:schemeClr val="tx1"/>
+                </a:solidFill>
+                <a:effectLst/>
+                <a:latin typeface="Arial" charset="0"/>
+                <a:ea typeface="新細明體" pitchFamily="18" charset="-120"/>
+                <a:cs typeface="+mn-cs"/>
+              </a:rPr>
+              <a:t>training data</a:t>
+            </a:r>
+            <a:r>
+              <a:rPr kumimoji="1" lang="zh-CN" altLang="en-US" sz="1400" b="0" i="0" kern="1200" dirty="0">
+                <a:solidFill>
+                  <a:schemeClr val="tx1"/>
+                </a:solidFill>
+                <a:effectLst/>
+                <a:latin typeface="Arial" charset="0"/>
+                <a:ea typeface="新細明體" pitchFamily="18" charset="-120"/>
+                <a:cs typeface="+mn-cs"/>
+              </a:rPr>
+              <a:t>的</a:t>
+            </a:r>
+            <a:r>
+              <a:rPr kumimoji="1" lang="en-US" altLang="zh-CN" sz="1400" b="0" i="0" kern="1200" dirty="0">
+                <a:solidFill>
+                  <a:schemeClr val="tx1"/>
+                </a:solidFill>
+                <a:effectLst/>
+                <a:latin typeface="Arial" charset="0"/>
+                <a:ea typeface="新細明體" pitchFamily="18" charset="-120"/>
+                <a:cs typeface="+mn-cs"/>
+              </a:rPr>
+              <a:t>doc</a:t>
+            </a:r>
+            <a:r>
+              <a:rPr kumimoji="1" lang="zh-CN" altLang="en-US" sz="1400" b="0" i="0" kern="1200" dirty="0">
+                <a:solidFill>
+                  <a:schemeClr val="tx1"/>
+                </a:solidFill>
+                <a:effectLst/>
+                <a:latin typeface="Arial" charset="0"/>
+                <a:ea typeface="新細明體" pitchFamily="18" charset="-120"/>
+                <a:cs typeface="+mn-cs"/>
+              </a:rPr>
+              <a:t>，剩下</a:t>
+            </a:r>
+            <a:r>
+              <a:rPr kumimoji="1" lang="en-US" altLang="zh-CN" sz="1400" b="0" i="0" kern="1200" dirty="0">
+                <a:solidFill>
+                  <a:schemeClr val="tx1"/>
+                </a:solidFill>
+                <a:effectLst/>
+                <a:latin typeface="Arial" charset="0"/>
+                <a:ea typeface="新細明體" pitchFamily="18" charset="-120"/>
+                <a:cs typeface="+mn-cs"/>
+              </a:rPr>
+              <a:t>900</a:t>
+            </a:r>
+            <a:r>
+              <a:rPr kumimoji="1" lang="zh-TW" altLang="en-US" sz="1400" b="0" i="0" kern="1200" dirty="0">
+                <a:solidFill>
+                  <a:schemeClr val="tx1"/>
+                </a:solidFill>
+                <a:effectLst/>
+                <a:latin typeface="Arial" charset="0"/>
+                <a:ea typeface="新細明體" pitchFamily="18" charset="-120"/>
+                <a:cs typeface="+mn-cs"/>
+              </a:rPr>
+              <a:t>個</a:t>
+            </a:r>
+            <a:r>
+              <a:rPr kumimoji="1" lang="en" altLang="zh-TW" sz="1400" b="0" i="0" kern="1200" dirty="0">
+                <a:solidFill>
+                  <a:schemeClr val="tx1"/>
+                </a:solidFill>
+                <a:effectLst/>
+                <a:latin typeface="Arial" charset="0"/>
+                <a:ea typeface="新細明體" pitchFamily="18" charset="-120"/>
+                <a:cs typeface="+mn-cs"/>
+              </a:rPr>
+              <a:t>document</a:t>
+            </a:r>
+            <a:r>
+              <a:rPr kumimoji="1" lang="zh-TW" altLang="en-US" sz="1400" b="0" i="0" kern="1200" dirty="0">
+                <a:solidFill>
+                  <a:schemeClr val="tx1"/>
+                </a:solidFill>
+                <a:effectLst/>
+                <a:latin typeface="Arial" charset="0"/>
+                <a:ea typeface="新細明體" pitchFamily="18" charset="-120"/>
+                <a:cs typeface="+mn-cs"/>
+              </a:rPr>
+              <a:t>當</a:t>
+            </a:r>
+            <a:r>
+              <a:rPr kumimoji="1" lang="en-US" altLang="zh-TW" sz="1400" b="0" i="0" kern="1200" dirty="0">
+                <a:solidFill>
+                  <a:schemeClr val="tx1"/>
+                </a:solidFill>
+                <a:effectLst/>
+                <a:latin typeface="Arial" charset="0"/>
+                <a:ea typeface="新細明體" pitchFamily="18" charset="-120"/>
+                <a:cs typeface="+mn-cs"/>
+              </a:rPr>
+              <a:t>testing data</a:t>
+            </a:r>
+            <a:r>
+              <a:rPr kumimoji="1" lang="zh-TW" altLang="en-US" sz="1400" b="0" i="0" kern="1200" dirty="0">
+                <a:solidFill>
+                  <a:schemeClr val="tx1"/>
+                </a:solidFill>
+                <a:effectLst/>
+                <a:latin typeface="Arial" charset="0"/>
+                <a:ea typeface="新細明體" pitchFamily="18" charset="-120"/>
+                <a:cs typeface="+mn-cs"/>
+              </a:rPr>
+              <a:t>（因為</a:t>
+            </a:r>
+            <a:r>
+              <a:rPr kumimoji="1" lang="zh-CN" altLang="en-US" sz="1400" b="0" i="0" kern="1200" dirty="0">
+                <a:solidFill>
+                  <a:schemeClr val="tx1"/>
+                </a:solidFill>
+                <a:effectLst/>
+                <a:latin typeface="Arial" charset="0"/>
+                <a:ea typeface="新細明體" pitchFamily="18" charset="-120"/>
+                <a:cs typeface="+mn-cs"/>
+              </a:rPr>
+              <a:t>沒出現在</a:t>
+            </a:r>
+            <a:r>
+              <a:rPr kumimoji="1" lang="en-US" altLang="zh-CN" sz="1400" b="0" i="0" kern="1200" dirty="0">
+                <a:solidFill>
+                  <a:schemeClr val="tx1"/>
+                </a:solidFill>
+                <a:effectLst/>
+                <a:latin typeface="Arial" charset="0"/>
+                <a:ea typeface="新細明體" pitchFamily="18" charset="-120"/>
+                <a:cs typeface="+mn-cs"/>
+              </a:rPr>
+              <a:t>vocabulary</a:t>
+            </a:r>
+            <a:r>
+              <a:rPr kumimoji="1" lang="zh-CN" altLang="en-US" sz="1400" b="0" i="0" kern="1200" dirty="0">
+                <a:solidFill>
+                  <a:schemeClr val="tx1"/>
+                </a:solidFill>
+                <a:effectLst/>
+                <a:latin typeface="Arial" charset="0"/>
+                <a:ea typeface="新細明體" pitchFamily="18" charset="-120"/>
+                <a:cs typeface="+mn-cs"/>
+              </a:rPr>
+              <a:t>的不看）</a:t>
+            </a:r>
+            <a:endParaRPr kumimoji="1" lang="en-US" altLang="zh-TW" sz="1400" b="0" i="0" kern="1200" dirty="0">
+              <a:solidFill>
+                <a:schemeClr val="tx1"/>
+              </a:solidFill>
+              <a:effectLst/>
+              <a:latin typeface="Arial" charset="0"/>
+              <a:ea typeface="新細明體" pitchFamily="18" charset="-120"/>
+              <a:cs typeface="+mn-cs"/>
+            </a:endParaRPr>
+          </a:p>
+          <a:p>
+            <a:r>
+              <a:rPr kumimoji="1" lang="zh-CN" altLang="en-US" sz="1400" b="0" i="0" kern="1200" dirty="0">
+                <a:solidFill>
+                  <a:schemeClr val="tx1"/>
+                </a:solidFill>
+                <a:effectLst/>
+                <a:latin typeface="Arial" charset="0"/>
+                <a:ea typeface="新細明體" pitchFamily="18" charset="-120"/>
+                <a:cs typeface="+mn-cs"/>
+              </a:rPr>
+              <a:t>用</a:t>
+            </a:r>
+            <a:r>
+              <a:rPr kumimoji="1" lang="en-US" altLang="zh-CN" sz="1400" b="0" i="0" kern="1200" dirty="0">
+                <a:solidFill>
+                  <a:schemeClr val="tx1"/>
+                </a:solidFill>
+                <a:effectLst/>
+                <a:latin typeface="Arial" charset="0"/>
+                <a:ea typeface="新細明體" pitchFamily="18" charset="-120"/>
+                <a:cs typeface="+mn-cs"/>
+              </a:rPr>
+              <a:t>500</a:t>
+            </a:r>
+            <a:r>
+              <a:rPr kumimoji="1" lang="zh-CN" altLang="en-US" sz="1400" b="0" i="0" kern="1200" dirty="0">
+                <a:solidFill>
+                  <a:schemeClr val="tx1"/>
+                </a:solidFill>
+                <a:effectLst/>
+                <a:latin typeface="Arial" charset="0"/>
+                <a:ea typeface="新細明體" pitchFamily="18" charset="-120"/>
+                <a:cs typeface="+mn-cs"/>
+              </a:rPr>
+              <a:t>個</a:t>
+            </a:r>
+            <a:r>
+              <a:rPr kumimoji="1" lang="en-US" altLang="zh-CN" sz="1400" b="0" i="0" kern="1200" dirty="0">
+                <a:solidFill>
+                  <a:schemeClr val="tx1"/>
+                </a:solidFill>
+                <a:effectLst/>
+                <a:latin typeface="Arial" charset="0"/>
+                <a:ea typeface="新細明體" pitchFamily="18" charset="-120"/>
+                <a:cs typeface="+mn-cs"/>
+              </a:rPr>
+              <a:t>term</a:t>
+            </a:r>
+            <a:r>
+              <a:rPr kumimoji="1" lang="zh-CN" altLang="en-US" sz="1400" b="0" i="0" kern="1200" dirty="0">
+                <a:solidFill>
+                  <a:schemeClr val="tx1"/>
+                </a:solidFill>
+                <a:effectLst/>
+                <a:latin typeface="Arial" charset="0"/>
+                <a:ea typeface="新細明體" pitchFamily="18" charset="-120"/>
+                <a:cs typeface="+mn-cs"/>
+              </a:rPr>
+              <a:t>過濾</a:t>
+            </a:r>
+            <a:r>
+              <a:rPr kumimoji="1" lang="en-US" altLang="zh-CN" sz="1400" b="0" i="0" kern="1200" dirty="0">
+                <a:solidFill>
+                  <a:schemeClr val="tx1"/>
+                </a:solidFill>
+                <a:effectLst/>
+                <a:latin typeface="Arial" charset="0"/>
+                <a:ea typeface="新細明體" pitchFamily="18" charset="-120"/>
+                <a:cs typeface="+mn-cs"/>
+              </a:rPr>
+              <a:t>training</a:t>
+            </a:r>
+            <a:r>
+              <a:rPr kumimoji="1" lang="zh-CN" altLang="en-US" sz="1400" b="0" i="0" kern="1200" dirty="0">
+                <a:solidFill>
+                  <a:schemeClr val="tx1"/>
+                </a:solidFill>
+                <a:effectLst/>
+                <a:latin typeface="Arial" charset="0"/>
+                <a:ea typeface="新細明體" pitchFamily="18" charset="-120"/>
+                <a:cs typeface="+mn-cs"/>
+              </a:rPr>
+              <a:t>和</a:t>
+            </a:r>
+            <a:r>
+              <a:rPr kumimoji="1" lang="en-US" altLang="zh-CN" sz="1400" b="0" i="0" kern="1200" dirty="0">
+                <a:solidFill>
+                  <a:schemeClr val="tx1"/>
+                </a:solidFill>
+                <a:effectLst/>
+                <a:latin typeface="Arial" charset="0"/>
+                <a:ea typeface="新細明體" pitchFamily="18" charset="-120"/>
+                <a:cs typeface="+mn-cs"/>
+              </a:rPr>
+              <a:t>testing</a:t>
+            </a:r>
+            <a:r>
+              <a:rPr kumimoji="1" lang="zh-TW" altLang="en-US" sz="1400" b="0" i="0" kern="1200" dirty="0">
+                <a:solidFill>
+                  <a:schemeClr val="tx1"/>
+                </a:solidFill>
+                <a:effectLst/>
+                <a:latin typeface="Arial" charset="0"/>
+                <a:ea typeface="新細明體" pitchFamily="18" charset="-120"/>
+                <a:cs typeface="+mn-cs"/>
+              </a:rPr>
+              <a:t> </a:t>
+            </a:r>
+            <a:r>
+              <a:rPr kumimoji="1" lang="en-US" altLang="zh-TW" sz="1400" b="0" i="0" kern="1200" dirty="0">
+                <a:solidFill>
+                  <a:schemeClr val="tx1"/>
+                </a:solidFill>
+                <a:effectLst/>
+                <a:latin typeface="Arial" charset="0"/>
+                <a:ea typeface="新細明體" pitchFamily="18" charset="-120"/>
+                <a:cs typeface="+mn-cs"/>
+              </a:rPr>
+              <a:t>data</a:t>
+            </a:r>
+            <a:endParaRPr kumimoji="1" lang="en" altLang="zh-TW" sz="1400" b="0" i="0" kern="1200" dirty="0">
+              <a:solidFill>
+                <a:schemeClr val="tx1"/>
+              </a:solidFill>
+              <a:effectLst/>
+              <a:latin typeface="Arial" charset="0"/>
+              <a:ea typeface="新細明體" pitchFamily="18" charset="-120"/>
+              <a:cs typeface="+mn-cs"/>
+            </a:endParaRPr>
+          </a:p>
+          <a:p>
+            <a:r>
+              <a:rPr kumimoji="1" lang="zh-TW" altLang="en-US" sz="1400" dirty="0"/>
+              <a:t>最後用</a:t>
+            </a:r>
+            <a:r>
+              <a:rPr kumimoji="1" lang="en-US" altLang="zh-TW" sz="1400" dirty="0"/>
+              <a:t>NB</a:t>
+            </a:r>
+            <a:r>
+              <a:rPr kumimoji="1" lang="zh-CN" altLang="en-US" sz="1400" dirty="0"/>
+              <a:t>來做分類，分到這</a:t>
+            </a:r>
+            <a:r>
+              <a:rPr kumimoji="1" lang="en-US" altLang="zh-CN" sz="1400" dirty="0"/>
+              <a:t>13</a:t>
+            </a:r>
+            <a:r>
+              <a:rPr kumimoji="1" lang="zh-CN" altLang="en-US" sz="1400" dirty="0"/>
+              <a:t>個</a:t>
+            </a:r>
+            <a:r>
+              <a:rPr kumimoji="1" lang="en-US" altLang="zh-CN" sz="1400" dirty="0"/>
+              <a:t>class</a:t>
+            </a:r>
+            <a:r>
+              <a:rPr kumimoji="1" lang="zh-CN" altLang="en-US" sz="1400" dirty="0"/>
+              <a:t>中</a:t>
+            </a:r>
+            <a:endParaRPr kumimoji="1" lang="en-US" altLang="zh-CN" sz="1400" dirty="0"/>
+          </a:p>
+          <a:p>
+            <a:r>
+              <a:rPr kumimoji="1" lang="en" altLang="zh-TW" sz="1200" b="0" i="0" kern="1200" dirty="0">
+                <a:solidFill>
+                  <a:schemeClr val="tx1"/>
+                </a:solidFill>
+                <a:effectLst/>
+                <a:latin typeface="Arial" charset="0"/>
+                <a:ea typeface="新細明體" pitchFamily="18" charset="-120"/>
+                <a:cs typeface="+mn-cs"/>
+              </a:rPr>
+              <a:t>M</a:t>
+            </a:r>
+            <a:r>
+              <a:rPr kumimoji="1" lang="zh-TW" altLang="en-US" sz="1200" b="0" i="0" kern="1200" dirty="0">
+                <a:solidFill>
+                  <a:schemeClr val="tx1"/>
+                </a:solidFill>
+                <a:effectLst/>
+                <a:latin typeface="Arial" charset="0"/>
+                <a:ea typeface="新細明體" pitchFamily="18" charset="-120"/>
+                <a:cs typeface="+mn-cs"/>
+              </a:rPr>
+              <a:t>就是每個</a:t>
+            </a:r>
+            <a:r>
+              <a:rPr kumimoji="1" lang="en" altLang="zh-TW" sz="1200" b="0" i="0" kern="1200" dirty="0">
+                <a:solidFill>
+                  <a:schemeClr val="tx1"/>
+                </a:solidFill>
+                <a:effectLst/>
+                <a:latin typeface="Arial" charset="0"/>
+                <a:ea typeface="新細明體" pitchFamily="18" charset="-120"/>
+                <a:cs typeface="+mn-cs"/>
+              </a:rPr>
+              <a:t>training doc</a:t>
+            </a:r>
+            <a:r>
+              <a:rPr kumimoji="1" lang="zh-TW" altLang="en-US" sz="1200" b="0" i="0" kern="1200" dirty="0">
+                <a:solidFill>
+                  <a:schemeClr val="tx1"/>
+                </a:solidFill>
+                <a:effectLst/>
+                <a:latin typeface="Arial" charset="0"/>
+                <a:ea typeface="新細明體" pitchFamily="18" charset="-120"/>
+                <a:cs typeface="+mn-cs"/>
+              </a:rPr>
+              <a:t>剩下的</a:t>
+            </a:r>
+            <a:r>
+              <a:rPr kumimoji="1" lang="en" altLang="zh-TW" sz="1200" b="0" i="0" kern="1200" dirty="0">
+                <a:solidFill>
+                  <a:schemeClr val="tx1"/>
+                </a:solidFill>
+                <a:effectLst/>
+                <a:latin typeface="Arial" charset="0"/>
+                <a:ea typeface="新細明體" pitchFamily="18" charset="-120"/>
+                <a:cs typeface="+mn-cs"/>
+              </a:rPr>
+              <a:t>term</a:t>
+            </a:r>
+            <a:r>
+              <a:rPr kumimoji="1" lang="zh-TW" altLang="en-US" sz="1200" b="0" i="0" kern="1200" dirty="0">
+                <a:solidFill>
+                  <a:schemeClr val="tx1"/>
+                </a:solidFill>
+                <a:effectLst/>
+                <a:latin typeface="Arial" charset="0"/>
+                <a:ea typeface="新細明體" pitchFamily="18" charset="-120"/>
+                <a:cs typeface="+mn-cs"/>
+              </a:rPr>
+              <a:t>的數量</a:t>
+            </a:r>
+            <a:endParaRPr kumimoji="1" lang="en-US" altLang="zh-TW" sz="1200" b="0" i="0" kern="1200" dirty="0">
+              <a:solidFill>
+                <a:schemeClr val="tx1"/>
+              </a:solidFill>
+              <a:effectLst/>
+              <a:latin typeface="Arial" charset="0"/>
+              <a:ea typeface="新細明體" pitchFamily="18" charset="-120"/>
+              <a:cs typeface="+mn-cs"/>
+            </a:endParaRPr>
+          </a:p>
+          <a:p>
+            <a:r>
+              <a:rPr kumimoji="1" lang="zh-TW" altLang="en-US" sz="1200" b="0" i="0" kern="1200" dirty="0">
+                <a:solidFill>
+                  <a:schemeClr val="tx1"/>
+                </a:solidFill>
+                <a:effectLst/>
+                <a:latin typeface="Arial" charset="0"/>
+                <a:ea typeface="新細明體" pitchFamily="18" charset="-120"/>
+                <a:cs typeface="+mn-cs"/>
+              </a:rPr>
+              <a:t>計算每一個</a:t>
+            </a:r>
+            <a:r>
+              <a:rPr kumimoji="1" lang="en" altLang="zh-TW" sz="1200" b="0" i="0" kern="1200" dirty="0">
+                <a:solidFill>
+                  <a:schemeClr val="tx1"/>
+                </a:solidFill>
+                <a:effectLst/>
+                <a:latin typeface="Arial" charset="0"/>
+                <a:ea typeface="新細明體" pitchFamily="18" charset="-120"/>
+                <a:cs typeface="+mn-cs"/>
+              </a:rPr>
+              <a:t>term </a:t>
+            </a:r>
+            <a:r>
+              <a:rPr kumimoji="1" lang="zh-TW" altLang="en-US" sz="1200" b="0" i="0" kern="1200" dirty="0">
+                <a:solidFill>
+                  <a:schemeClr val="tx1"/>
+                </a:solidFill>
+                <a:effectLst/>
+                <a:latin typeface="Arial" charset="0"/>
+                <a:ea typeface="新細明體" pitchFamily="18" charset="-120"/>
+                <a:cs typeface="+mn-cs"/>
+              </a:rPr>
+              <a:t>他在不同</a:t>
+            </a:r>
+            <a:r>
+              <a:rPr kumimoji="1" lang="en" altLang="zh-TW" sz="1200" b="0" i="0" kern="1200" dirty="0">
+                <a:solidFill>
+                  <a:schemeClr val="tx1"/>
+                </a:solidFill>
+                <a:effectLst/>
+                <a:latin typeface="Arial" charset="0"/>
+                <a:ea typeface="新細明體" pitchFamily="18" charset="-120"/>
+                <a:cs typeface="+mn-cs"/>
+              </a:rPr>
+              <a:t>class </a:t>
+            </a:r>
+            <a:r>
+              <a:rPr kumimoji="1" lang="zh-TW" altLang="en-US" sz="1200" b="0" i="0" kern="1200" dirty="0">
+                <a:solidFill>
+                  <a:schemeClr val="tx1"/>
+                </a:solidFill>
+                <a:effectLst/>
+                <a:latin typeface="Arial" charset="0"/>
+                <a:ea typeface="新細明體" pitchFamily="18" charset="-120"/>
+                <a:cs typeface="+mn-cs"/>
+              </a:rPr>
+              <a:t>裡面的</a:t>
+            </a:r>
+            <a:r>
+              <a:rPr kumimoji="1" lang="en" altLang="zh-TW" sz="1200" b="0" i="0" kern="1200" dirty="0">
+                <a:solidFill>
+                  <a:schemeClr val="tx1"/>
+                </a:solidFill>
+                <a:effectLst/>
+                <a:latin typeface="Arial" charset="0"/>
+                <a:ea typeface="新細明體" pitchFamily="18" charset="-120"/>
+                <a:cs typeface="+mn-cs"/>
+              </a:rPr>
+              <a:t>prior </a:t>
+            </a:r>
+            <a:r>
+              <a:rPr kumimoji="1" lang="en" altLang="zh-TW" sz="1200" b="0" i="0" kern="1200" dirty="0" err="1">
+                <a:solidFill>
+                  <a:schemeClr val="tx1"/>
+                </a:solidFill>
+                <a:effectLst/>
+                <a:latin typeface="Arial" charset="0"/>
+                <a:ea typeface="新細明體" pitchFamily="18" charset="-120"/>
+                <a:cs typeface="+mn-cs"/>
+              </a:rPr>
+              <a:t>probalility</a:t>
+            </a:r>
+            <a:r>
+              <a:rPr kumimoji="1" lang="en" altLang="zh-TW" sz="1200" b="0" i="0" kern="1200" dirty="0">
+                <a:solidFill>
+                  <a:schemeClr val="tx1"/>
+                </a:solidFill>
+                <a:effectLst/>
+                <a:latin typeface="Arial" charset="0"/>
+                <a:ea typeface="新細明體" pitchFamily="18" charset="-120"/>
+                <a:cs typeface="+mn-cs"/>
+              </a:rPr>
+              <a:t> </a:t>
+            </a:r>
+            <a:r>
+              <a:rPr kumimoji="1" lang="zh-TW" altLang="en-US" sz="1200" b="0" i="0" kern="1200" dirty="0">
+                <a:solidFill>
+                  <a:schemeClr val="tx1"/>
+                </a:solidFill>
+                <a:effectLst/>
+                <a:latin typeface="Arial" charset="0"/>
+                <a:ea typeface="新細明體" pitchFamily="18" charset="-120"/>
+                <a:cs typeface="+mn-cs"/>
+              </a:rPr>
+              <a:t>也就是</a:t>
+            </a:r>
+            <a:r>
+              <a:rPr kumimoji="1" lang="en" altLang="zh-TW" sz="1200" b="0" i="0" kern="1200" dirty="0">
+                <a:solidFill>
+                  <a:schemeClr val="tx1"/>
+                </a:solidFill>
+                <a:effectLst/>
+                <a:latin typeface="Arial" charset="0"/>
+                <a:ea typeface="新細明體" pitchFamily="18" charset="-120"/>
+                <a:cs typeface="+mn-cs"/>
+              </a:rPr>
+              <a:t>parameters</a:t>
+            </a:r>
+            <a:endParaRPr kumimoji="1" lang="zh-TW" altLang="en-US" sz="1400" dirty="0"/>
+          </a:p>
+        </p:txBody>
+      </p:sp>
+      <p:sp>
+        <p:nvSpPr>
+          <p:cNvPr id="4" name="投影片編號版面配置區 3"/>
+          <p:cNvSpPr>
+            <a:spLocks noGrp="1"/>
+          </p:cNvSpPr>
+          <p:nvPr>
+            <p:ph type="sldNum" sz="quarter" idx="5"/>
+          </p:nvPr>
+        </p:nvSpPr>
+        <p:spPr/>
+        <p:txBody>
+          <a:bodyPr/>
+          <a:lstStyle/>
+          <a:p>
+            <a:pPr>
+              <a:defRPr/>
+            </a:pPr>
+            <a:fld id="{A2422F8C-2CCD-446F-95AC-F0D4397D21E2}" type="slidenum">
+              <a:rPr lang="zh-TW" altLang="en-US" smtClean="0"/>
+              <a:pPr>
+                <a:defRPr/>
+              </a:pPr>
+              <a:t>2</a:t>
+            </a:fld>
+            <a:endParaRPr lang="en-US" altLang="zh-TW"/>
+          </a:p>
+        </p:txBody>
+      </p:sp>
+    </p:spTree>
+    <p:extLst>
+      <p:ext uri="{BB962C8B-B14F-4D97-AF65-F5344CB8AC3E}">
+        <p14:creationId xmlns:p14="http://schemas.microsoft.com/office/powerpoint/2010/main" val="1416323739"/>
       </p:ext>
     </p:extLst>
   </p:cSld>
@@ -1456,10 +2465,9 @@
           <a:lstStyle/>
           <a:p>
             <a:r>
-              <a:rPr lang="zh-TW" altLang="en-US" smtClean="0"/>
+              <a:rPr lang="zh-TW" altLang="en-US"/>
               <a:t>按一下以編輯母片標題樣式</a:t>
             </a:r>
-            <a:endParaRPr lang="zh-TW" altLang="en-US"/>
           </a:p>
         </p:txBody>
       </p:sp>
@@ -1480,38 +2488,37 @@
           <a:p>
             <a:pPr lvl="0"/>
             <a:r>
-              <a:rPr lang="zh-TW" altLang="en-US" smtClean="0"/>
+              <a:rPr lang="zh-TW" altLang="en-US"/>
               <a:t>按一下以編輯母片文字樣式</a:t>
             </a:r>
           </a:p>
           <a:p>
             <a:pPr lvl="1"/>
             <a:r>
-              <a:rPr lang="zh-TW" altLang="en-US" smtClean="0"/>
+              <a:rPr lang="zh-TW" altLang="en-US"/>
               <a:t>第二層</a:t>
             </a:r>
           </a:p>
           <a:p>
             <a:pPr lvl="2"/>
             <a:r>
-              <a:rPr lang="zh-TW" altLang="en-US" smtClean="0"/>
+              <a:rPr lang="zh-TW" altLang="en-US"/>
               <a:t>第三層</a:t>
             </a:r>
           </a:p>
           <a:p>
             <a:pPr lvl="3"/>
             <a:r>
-              <a:rPr lang="zh-TW" altLang="en-US" smtClean="0"/>
+              <a:rPr lang="zh-TW" altLang="en-US"/>
               <a:t>第四層</a:t>
             </a:r>
           </a:p>
           <a:p>
             <a:pPr lvl="4"/>
             <a:r>
-              <a:rPr lang="zh-TW" altLang="en-US" smtClean="0"/>
+              <a:rPr lang="zh-TW" altLang="en-US"/>
               <a:t>第五層</a:t>
             </a:r>
-            <a:endParaRPr lang="zh-TW" altLang="en-US"/>
           </a:p>
         </p:txBody>
       </p:sp>
@@ -1652,10 +2659,9 @@
           <a:lstStyle/>
           <a:p>
             <a:r>
-              <a:rPr lang="zh-TW" altLang="en-US" smtClean="0"/>
+              <a:rPr lang="zh-TW" altLang="en-US"/>
               <a:t>按一下以編輯母片標題樣式</a:t>
             </a:r>
-            <a:endParaRPr lang="zh-TW" altLang="en-US"/>
           </a:p>
         </p:txBody>
       </p:sp>
@@ -1681,38 +2687,37 @@
           <a:p>
             <a:pPr lvl="0"/>
             <a:r>
-              <a:rPr lang="zh-TW" altLang="en-US" smtClean="0"/>
+              <a:rPr lang="zh-TW" altLang="en-US"/>
               <a:t>按一下以編輯母片文字樣式</a:t>
             </a:r>
           </a:p>
           <a:p>
             <a:pPr lvl="1"/>
             <a:r>
-              <a:rPr lang="zh-TW" altLang="en-US" smtClean="0"/>
+              <a:rPr lang="zh-TW" altLang="en-US"/>
               <a:t>第二層</a:t>
             </a:r>
           </a:p>
           <a:p>
             <a:pPr lvl="2"/>
             <a:r>
-              <a:rPr lang="zh-TW" altLang="en-US" smtClean="0"/>
+              <a:rPr lang="zh-TW" altLang="en-US"/>
               <a:t>第三層</a:t>
             </a:r>
           </a:p>
           <a:p>
             <a:pPr lvl="3"/>
             <a:r>
-              <a:rPr lang="zh-TW" altLang="en-US" smtClean="0"/>
+              <a:rPr lang="zh-TW" altLang="en-US"/>
               <a:t>第四層</a:t>
             </a:r>
           </a:p>
           <a:p>
             <a:pPr lvl="4"/>
             <a:r>
-              <a:rPr lang="zh-TW" altLang="en-US" smtClean="0"/>
+              <a:rPr lang="zh-TW" altLang="en-US"/>
               <a:t>第五層</a:t>
             </a:r>
-            <a:endParaRPr lang="zh-TW" altLang="en-US"/>
           </a:p>
         </p:txBody>
       </p:sp>
@@ -1853,10 +2858,9 @@
           <a:lstStyle/>
           <a:p>
             <a:r>
-              <a:rPr lang="zh-TW" altLang="en-US" smtClean="0"/>
+              <a:rPr lang="zh-TW" altLang="en-US"/>
               <a:t>按一下以編輯母片標題樣式</a:t>
             </a:r>
-            <a:endParaRPr lang="zh-TW" altLang="en-US"/>
           </a:p>
         </p:txBody>
       </p:sp>
@@ -1882,38 +2886,37 @@
           <a:p>
             <a:pPr lvl="0"/>
             <a:r>
-              <a:rPr lang="zh-TW" altLang="en-US" smtClean="0"/>
+              <a:rPr lang="zh-TW" altLang="en-US"/>
               <a:t>按一下以編輯母片文字樣式</a:t>
             </a:r>
           </a:p>
           <a:p>
             <a:pPr lvl="1"/>
             <a:r>
-              <a:rPr lang="zh-TW" altLang="en-US" smtClean="0"/>
+              <a:rPr lang="zh-TW" altLang="en-US"/>
               <a:t>第二層</a:t>
             </a:r>
           </a:p>
           <a:p>
             <a:pPr lvl="2"/>
             <a:r>
-              <a:rPr lang="zh-TW" altLang="en-US" smtClean="0"/>
+              <a:rPr lang="zh-TW" altLang="en-US"/>
               <a:t>第三層</a:t>
             </a:r>
           </a:p>
           <a:p>
             <a:pPr lvl="3"/>
             <a:r>
-              <a:rPr lang="zh-TW" altLang="en-US" smtClean="0"/>
+              <a:rPr lang="zh-TW" altLang="en-US"/>
               <a:t>第四層</a:t>
             </a:r>
           </a:p>
           <a:p>
             <a:pPr lvl="4"/>
             <a:r>
-              <a:rPr lang="zh-TW" altLang="en-US" smtClean="0"/>
+              <a:rPr lang="zh-TW" altLang="en-US"/>
               <a:t>第五層</a:t>
             </a:r>
-            <a:endParaRPr lang="zh-TW" altLang="en-US"/>
           </a:p>
         </p:txBody>
       </p:sp>
@@ -1939,38 +2942,37 @@
           <a:p>
             <a:pPr lvl="0"/>
             <a:r>
-              <a:rPr lang="zh-TW" altLang="en-US" smtClean="0"/>
+              <a:rPr lang="zh-TW" altLang="en-US"/>
               <a:t>按一下以編輯母片文字樣式</a:t>
             </a:r>
           </a:p>
           <a:p>
             <a:pPr lvl="1"/>
             <a:r>
-              <a:rPr lang="zh-TW" altLang="en-US" smtClean="0"/>
+              <a:rPr lang="zh-TW" altLang="en-US"/>
               <a:t>第二層</a:t>
             </a:r>
           </a:p>
           <a:p>
             <a:pPr lvl="2"/>
             <a:r>
-              <a:rPr lang="zh-TW" altLang="en-US" smtClean="0"/>
+              <a:rPr lang="zh-TW" altLang="en-US"/>
               <a:t>第三層</a:t>
             </a:r>
           </a:p>
           <a:p>
             <a:pPr lvl="3"/>
             <a:r>
-              <a:rPr lang="zh-TW" altLang="en-US" smtClean="0"/>
+              <a:rPr lang="zh-TW" altLang="en-US"/>
               <a:t>第四層</a:t>
             </a:r>
           </a:p>
           <a:p>
             <a:pPr lvl="4"/>
             <a:r>
-              <a:rPr lang="zh-TW" altLang="en-US" smtClean="0"/>
+              <a:rPr lang="zh-TW" altLang="en-US"/>
               <a:t>第五層</a:t>
             </a:r>
-            <a:endParaRPr lang="zh-TW" altLang="en-US"/>
           </a:p>
         </p:txBody>
       </p:sp>
@@ -2106,10 +3108,9 @@
           <a:lstStyle/>
           <a:p>
             <a:r>
-              <a:rPr lang="zh-TW" altLang="en-US" smtClean="0"/>
+              <a:rPr lang="zh-TW" altLang="en-US"/>
               <a:t>按一下以編輯母片標題樣式</a:t>
             </a:r>
-            <a:endParaRPr lang="zh-TW" altLang="en-US"/>
           </a:p>
         </p:txBody>
       </p:sp>
@@ -2130,38 +3131,37 @@
           <a:p>
             <a:pPr lvl="0"/>
             <a:r>
-              <a:rPr lang="zh-TW" altLang="en-US" smtClean="0"/>
+              <a:rPr lang="zh-TW" altLang="en-US"/>
               <a:t>按一下以編輯母片文字樣式</a:t>
             </a:r>
           </a:p>
           <a:p>
             <a:pPr lvl="1"/>
             <a:r>
-              <a:rPr lang="zh-TW" altLang="en-US" smtClean="0"/>
+              <a:rPr lang="zh-TW" altLang="en-US"/>
               <a:t>第二層</a:t>
             </a:r>
           </a:p>
           <a:p>
             <a:pPr lvl="2"/>
             <a:r>
-              <a:rPr lang="zh-TW" altLang="en-US" smtClean="0"/>
+              <a:rPr lang="zh-TW" altLang="en-US"/>
               <a:t>第三層</a:t>
             </a:r>
           </a:p>
           <a:p>
             <a:pPr lvl="3"/>
             <a:r>
-              <a:rPr lang="zh-TW" altLang="en-US" smtClean="0"/>
+              <a:rPr lang="zh-TW" altLang="en-US"/>
               <a:t>第四層</a:t>
             </a:r>
           </a:p>
           <a:p>
             <a:pPr lvl="4"/>
             <a:r>
-              <a:rPr lang="zh-TW" altLang="en-US" smtClean="0"/>
+              <a:rPr lang="zh-TW" altLang="en-US"/>
               <a:t>第五層</a:t>
             </a:r>
-            <a:endParaRPr lang="zh-TW" altLang="en-US"/>
           </a:p>
         </p:txBody>
       </p:sp>
@@ -2306,10 +3306,9 @@
           </a:lstStyle>
           <a:p>
             <a:r>
-              <a:rPr lang="zh-TW" altLang="en-US" smtClean="0"/>
+              <a:rPr lang="zh-TW" altLang="en-US"/>
               <a:t>按一下以編輯母片標題樣式</a:t>
             </a:r>
-            <a:endParaRPr lang="zh-TW" altLang="en-US"/>
           </a:p>
         </p:txBody>
       </p:sp>
@@ -2372,7 +3371,7 @@
           <a:p>
             <a:pPr lvl="0"/>
             <a:r>
-              <a:rPr lang="zh-TW" altLang="en-US" smtClean="0"/>
+              <a:rPr lang="zh-TW" altLang="en-US"/>
               <a:t>按一下以編輯母片文字樣式</a:t>
             </a:r>
           </a:p>
@@ -2510,10 +3509,9 @@
           <a:lstStyle/>
           <a:p>
             <a:r>
-              <a:rPr lang="zh-TW" altLang="en-US" smtClean="0"/>
+              <a:rPr lang="zh-TW" altLang="en-US"/>
               <a:t>按一下以編輯母片標題樣式</a:t>
             </a:r>
-            <a:endParaRPr lang="zh-TW" altLang="en-US"/>
           </a:p>
         </p:txBody>
       </p:sp>
@@ -2567,38 +3565,37 @@
           <a:p>
             <a:pPr lvl="0"/>
             <a:r>
-              <a:rPr lang="zh-TW" altLang="en-US" smtClean="0"/>
+              <a:rPr lang="zh-TW" altLang="en-US"/>
               <a:t>按一下以編輯母片文字樣式</a:t>
             </a:r>
           </a:p>
           <a:p>
             <a:pPr lvl="1"/>
             <a:r>
-              <a:rPr lang="zh-TW" altLang="en-US" smtClean="0"/>
+              <a:rPr lang="zh-TW" altLang="en-US"/>
               <a:t>第二層</a:t>
             </a:r>
           </a:p>
           <a:p>
             <a:pPr lvl="2"/>
             <a:r>
-              <a:rPr lang="zh-TW" altLang="en-US" smtClean="0"/>
+              <a:rPr lang="zh-TW" altLang="en-US"/>
               <a:t>第三層</a:t>
             </a:r>
           </a:p>
           <a:p>
             <a:pPr lvl="3"/>
             <a:r>
-              <a:rPr lang="zh-TW" altLang="en-US" smtClean="0"/>
+              <a:rPr lang="zh-TW" altLang="en-US"/>
               <a:t>第四層</a:t>
             </a:r>
           </a:p>
           <a:p>
             <a:pPr lvl="4"/>
             <a:r>
-              <a:rPr lang="zh-TW" altLang="en-US" smtClean="0"/>
+              <a:rPr lang="zh-TW" altLang="en-US"/>
               <a:t>第五層</a:t>
             </a:r>
-            <a:endParaRPr lang="zh-TW" altLang="en-US"/>
           </a:p>
         </p:txBody>
       </p:sp>
@@ -2652,38 +3649,37 @@
           <a:p>
             <a:pPr lvl="0"/>
             <a:r>
-              <a:rPr lang="zh-TW" altLang="en-US" smtClean="0"/>
+              <a:rPr lang="zh-TW" altLang="en-US"/>
               <a:t>按一下以編輯母片文字樣式</a:t>
             </a:r>
           </a:p>
           <a:p>
             <a:pPr lvl="1"/>
             <a:r>
-              <a:rPr lang="zh-TW" altLang="en-US" smtClean="0"/>
+              <a:rPr lang="zh-TW" altLang="en-US"/>
               <a:t>第二層</a:t>
             </a:r>
           </a:p>
           <a:p>
             <a:pPr lvl="2"/>
             <a:r>
-              <a:rPr lang="zh-TW" altLang="en-US" smtClean="0"/>
+              <a:rPr lang="zh-TW" altLang="en-US"/>
               <a:t>第三層</a:t>
             </a:r>
           </a:p>
           <a:p>
             <a:pPr lvl="3"/>
             <a:r>
-              <a:rPr lang="zh-TW" altLang="en-US" smtClean="0"/>
+              <a:rPr lang="zh-TW" altLang="en-US"/>
               <a:t>第四層</a:t>
             </a:r>
           </a:p>
           <a:p>
             <a:pPr lvl="4"/>
             <a:r>
-              <a:rPr lang="zh-TW" altLang="en-US" smtClean="0"/>
+              <a:rPr lang="zh-TW" altLang="en-US"/>
               <a:t>第五層</a:t>
             </a:r>
-            <a:endParaRPr lang="zh-TW" altLang="en-US"/>
           </a:p>
         </p:txBody>
       </p:sp>
@@ -2828,10 +3824,9 @@
           </a:lstStyle>
           <a:p>
             <a:r>
-              <a:rPr lang="zh-TW" altLang="en-US" smtClean="0"/>
+              <a:rPr lang="zh-TW" altLang="en-US"/>
               <a:t>按一下以編輯母片標題樣式</a:t>
             </a:r>
-            <a:endParaRPr lang="zh-TW" altLang="en-US"/>
           </a:p>
         </p:txBody>
       </p:sp>
@@ -2894,7 +3889,7 @@
           <a:p>
             <a:pPr lvl="0"/>
             <a:r>
-              <a:rPr lang="zh-TW" altLang="en-US" smtClean="0"/>
+              <a:rPr lang="zh-TW" altLang="en-US"/>
               <a:t>按一下以編輯母片文字樣式</a:t>
             </a:r>
           </a:p>
@@ -2950,38 +3945,37 @@
           <a:p>
             <a:pPr lvl="0"/>
             <a:r>
-              <a:rPr lang="zh-TW" altLang="en-US" smtClean="0"/>
+              <a:rPr lang="zh-TW" altLang="en-US"/>
               <a:t>按一下以編輯母片文字樣式</a:t>
             </a:r>
           </a:p>
           <a:p>
             <a:pPr lvl="1"/>
             <a:r>
-              <a:rPr lang="zh-TW" altLang="en-US" smtClean="0"/>
+              <a:rPr lang="zh-TW" altLang="en-US"/>
               <a:t>第二層</a:t>
             </a:r>
           </a:p>
           <a:p>
             <a:pPr lvl="2"/>
             <a:r>
-              <a:rPr lang="zh-TW" altLang="en-US" smtClean="0"/>
+              <a:rPr lang="zh-TW" altLang="en-US"/>
               <a:t>第三層</a:t>
             </a:r>
           </a:p>
           <a:p>
             <a:pPr lvl="3"/>
             <a:r>
-              <a:rPr lang="zh-TW" altLang="en-US" smtClean="0"/>
+              <a:rPr lang="zh-TW" altLang="en-US"/>
               <a:t>第四層</a:t>
             </a:r>
           </a:p>
           <a:p>
             <a:pPr lvl="4"/>
             <a:r>
-              <a:rPr lang="zh-TW" altLang="en-US" smtClean="0"/>
+              <a:rPr lang="zh-TW" altLang="en-US"/>
               <a:t>第五層</a:t>
             </a:r>
-            <a:endParaRPr lang="zh-TW" altLang="en-US"/>
           </a:p>
         </p:txBody>
       </p:sp>
@@ -3044,7 +4038,7 @@
           <a:p>
             <a:pPr lvl="0"/>
             <a:r>
-              <a:rPr lang="zh-TW" altLang="en-US" smtClean="0"/>
+              <a:rPr lang="zh-TW" altLang="en-US"/>
               <a:t>按一下以編輯母片文字樣式</a:t>
             </a:r>
           </a:p>
@@ -3100,38 +4094,37 @@
           <a:p>
             <a:pPr lvl="0"/>
             <a:r>
-              <a:rPr lang="zh-TW" altLang="en-US" smtClean="0"/>
+              <a:rPr lang="zh-TW" altLang="en-US"/>
               <a:t>按一下以編輯母片文字樣式</a:t>
             </a:r>
           </a:p>
           <a:p>
             <a:pPr lvl="1"/>
             <a:r>
-              <a:rPr lang="zh-TW" altLang="en-US" smtClean="0"/>
+              <a:rPr lang="zh-TW" altLang="en-US"/>
               <a:t>第二層</a:t>
             </a:r>
           </a:p>
           <a:p>
             <a:pPr lvl="2"/>
             <a:r>
-              <a:rPr lang="zh-TW" altLang="en-US" smtClean="0"/>
+              <a:rPr lang="zh-TW" altLang="en-US"/>
               <a:t>第三層</a:t>
             </a:r>
           </a:p>
           <a:p>
             <a:pPr lvl="3"/>
             <a:r>
-              <a:rPr lang="zh-TW" altLang="en-US" smtClean="0"/>
+              <a:rPr lang="zh-TW" altLang="en-US"/>
               <a:t>第四層</a:t>
             </a:r>
           </a:p>
           <a:p>
             <a:pPr lvl="4"/>
             <a:r>
-              <a:rPr lang="zh-TW" altLang="en-US" smtClean="0"/>
+              <a:rPr lang="zh-TW" altLang="en-US"/>
               <a:t>第五層</a:t>
             </a:r>
-            <a:endParaRPr lang="zh-TW" altLang="en-US"/>
           </a:p>
         </p:txBody>
       </p:sp>
@@ -3267,10 +4260,9 @@
           <a:lstStyle/>
           <a:p>
             <a:r>
-              <a:rPr lang="zh-TW" altLang="en-US" smtClean="0"/>
+              <a:rPr lang="zh-TW" altLang="en-US"/>
               <a:t>按一下以編輯母片標題樣式</a:t>
             </a:r>
-            <a:endParaRPr lang="zh-TW" altLang="en-US"/>
           </a:p>
         </p:txBody>
       </p:sp>
@@ -3531,10 +4523,9 @@
           </a:lstStyle>
           <a:p>
             <a:r>
-              <a:rPr lang="zh-TW" altLang="en-US" smtClean="0"/>
+              <a:rPr lang="zh-TW" altLang="en-US"/>
               <a:t>按一下以編輯母片標題樣式</a:t>
             </a:r>
-            <a:endParaRPr lang="zh-TW" altLang="en-US"/>
           </a:p>
         </p:txBody>
       </p:sp>
@@ -3588,38 +4579,37 @@
           <a:p>
             <a:pPr lvl="0"/>
             <a:r>
-              <a:rPr lang="zh-TW" altLang="en-US" smtClean="0"/>
+              <a:rPr lang="zh-TW" altLang="en-US"/>
               <a:t>按一下以編輯母片文字樣式</a:t>
             </a:r>
           </a:p>
           <a:p>
             <a:pPr lvl="1"/>
             <a:r>
-              <a:rPr lang="zh-TW" altLang="en-US" smtClean="0"/>
+              <a:rPr lang="zh-TW" altLang="en-US"/>
               <a:t>第二層</a:t>
             </a:r>
           </a:p>
           <a:p>
             <a:pPr lvl="2"/>
             <a:r>
-              <a:rPr lang="zh-TW" altLang="en-US" smtClean="0"/>
+              <a:rPr lang="zh-TW" altLang="en-US"/>
               <a:t>第三層</a:t>
             </a:r>
           </a:p>
           <a:p>
             <a:pPr lvl="3"/>
             <a:r>
-              <a:rPr lang="zh-TW" altLang="en-US" smtClean="0"/>
+              <a:rPr lang="zh-TW" altLang="en-US"/>
               <a:t>第四層</a:t>
             </a:r>
           </a:p>
           <a:p>
             <a:pPr lvl="4"/>
             <a:r>
-              <a:rPr lang="zh-TW" altLang="en-US" smtClean="0"/>
+              <a:rPr lang="zh-TW" altLang="en-US"/>
               <a:t>第五層</a:t>
             </a:r>
-            <a:endParaRPr lang="zh-TW" altLang="en-US"/>
           </a:p>
         </p:txBody>
       </p:sp>
@@ -3682,7 +4672,7 @@
           <a:p>
             <a:pPr lvl="0"/>
             <a:r>
-              <a:rPr lang="zh-TW" altLang="en-US" smtClean="0"/>
+              <a:rPr lang="zh-TW" altLang="en-US"/>
               <a:t>按一下以編輯母片文字樣式</a:t>
             </a:r>
           </a:p>
@@ -3829,10 +4819,9 @@
           </a:lstStyle>
           <a:p>
             <a:r>
-              <a:rPr lang="zh-TW" altLang="en-US" smtClean="0"/>
+              <a:rPr lang="zh-TW" altLang="en-US"/>
               <a:t>按一下以編輯母片標題樣式</a:t>
             </a:r>
-            <a:endParaRPr lang="zh-TW" altLang="en-US"/>
           </a:p>
         </p:txBody>
       </p:sp>
@@ -3894,7 +4883,7 @@
           </a:lstStyle>
           <a:p>
             <a:pPr lvl="0"/>
-            <a:endParaRPr lang="zh-TW" altLang="en-US" noProof="0" smtClean="0"/>
+            <a:endParaRPr lang="zh-TW" altLang="en-US" noProof="0"/>
           </a:p>
         </p:txBody>
       </p:sp>
@@ -3957,7 +4946,7 @@
           <a:p>
             <a:pPr lvl="0"/>
             <a:r>
-              <a:rPr lang="zh-TW" altLang="en-US" smtClean="0"/>
+              <a:rPr lang="zh-TW" altLang="en-US"/>
               <a:t>按一下以編輯母片文字樣式</a:t>
             </a:r>
           </a:p>
@@ -4123,7 +5112,7 @@
           <a:p>
             <a:pPr lvl="0"/>
             <a:r>
-              <a:rPr lang="zh-TW" altLang="en-US" smtClean="0"/>
+              <a:rPr lang="zh-TW" altLang="en-US"/>
               <a:t>按一下以編輯母片標題樣式</a:t>
             </a:r>
           </a:p>
@@ -4165,35 +5154,35 @@
           <a:p>
             <a:pPr lvl="0"/>
             <a:r>
-              <a:rPr lang="zh-TW" altLang="en-US" smtClean="0"/>
+              <a:rPr lang="zh-TW" altLang="en-US"/>
               <a:t>按一下以編輯母片</a:t>
             </a:r>
           </a:p>
           <a:p>
             <a:pPr lvl="1"/>
             <a:r>
-              <a:rPr lang="zh-TW" altLang="en-US" smtClean="0"/>
+              <a:rPr lang="zh-TW" altLang="en-US"/>
               <a:t>第二層</a:t>
             </a:r>
           </a:p>
           <a:p>
             <a:pPr lvl="2"/>
             <a:r>
-              <a:rPr lang="zh-TW" altLang="en-US" smtClean="0"/>
+              <a:rPr lang="zh-TW" altLang="en-US"/>
               <a:t>第三層</a:t>
             </a:r>
           </a:p>
           <a:p>
             <a:pPr lvl="3"/>
             <a:r>
-              <a:rPr lang="zh-TW" altLang="en-US" smtClean="0"/>
+              <a:rPr lang="zh-TW" altLang="en-US"/>
               <a:t>第四層</a:t>
             </a:r>
           </a:p>
           <a:p>
             <a:pPr lvl="4"/>
             <a:r>
-              <a:rPr lang="zh-TW" altLang="en-US" smtClean="0"/>
+              <a:rPr lang="zh-TW" altLang="en-US"/>
               <a:t>第五層</a:t>
             </a:r>
           </a:p>
@@ -4582,13 +5571,6 @@
     <p:sldLayoutId id="2147483730" r:id="rId11"/>
     <p:sldLayoutId id="2147483731" r:id="rId12"/>
   </p:sldLayoutIdLst>
-  <p:timing>
-    <p:tnLst>
-      <p:par>
-        <p:cTn id="1" dur="indefinite" restart="never" nodeType="tmRoot"/>
-      </p:par>
-    </p:tnLst>
-  </p:timing>
   <p:hf hdr="0" ftr="0" dt="0"/>
   <p:txStyles>
     <p:titleStyle>
@@ -5083,7 +6065,7 @@
           <a:p>
             <a:pPr eaLnBrk="1" hangingPunct="1"/>
             <a:r>
-              <a:rPr lang="en-US" altLang="zh-TW" sz="4000" dirty="0" smtClean="0"/>
+              <a:rPr lang="en-US" altLang="zh-TW" sz="4000" dirty="0"/>
               <a:t>Programming Assignment 3 (1/3)</a:t>
             </a:r>
           </a:p>
@@ -5115,7 +6097,7 @@
               </a:lnSpc>
             </a:pPr>
             <a:r>
-              <a:rPr lang="en-US" altLang="zh-TW" sz="2000" b="1" dirty="0" smtClean="0">
+              <a:rPr lang="en-US" altLang="zh-TW" sz="2000" b="1" dirty="0">
                 <a:solidFill>
                   <a:srgbClr val="FF0000"/>
                 </a:solidFill>
@@ -5123,10 +6105,10 @@
               <a:t>Multinomial NB Classifier</a:t>
             </a:r>
             <a:r>
-              <a:rPr lang="en-US" altLang="zh-TW" sz="2000" dirty="0" smtClean="0"/>
+              <a:rPr lang="en-US" altLang="zh-TW" sz="2000" dirty="0"/>
               <a:t>:</a:t>
             </a:r>
-            <a:endParaRPr lang="en-US" altLang="zh-TW" sz="900" dirty="0" smtClean="0"/>
+            <a:endParaRPr lang="en-US" altLang="zh-TW" sz="900" dirty="0"/>
           </a:p>
           <a:p>
             <a:pPr lvl="1">
@@ -5135,7 +6117,7 @@
               </a:lnSpc>
             </a:pPr>
             <a:r>
-              <a:rPr lang="en-US" altLang="zh-TW" sz="1800" dirty="0" smtClean="0"/>
+              <a:rPr lang="en-US" altLang="zh-TW" sz="1800" dirty="0"/>
               <a:t>Text collection:</a:t>
             </a:r>
           </a:p>
@@ -5146,7 +6128,7 @@
               </a:lnSpc>
             </a:pPr>
             <a:r>
-              <a:rPr lang="en-US" altLang="zh-TW" sz="1600" dirty="0" smtClean="0"/>
+              <a:rPr lang="en-US" altLang="zh-TW" sz="1600" dirty="0"/>
               <a:t>The 1095 news documents.</a:t>
             </a:r>
           </a:p>
@@ -5156,7 +6138,7 @@
                 <a:spcPct val="90000"/>
               </a:lnSpc>
             </a:pPr>
-            <a:endParaRPr lang="en-US" altLang="zh-TW" sz="700" dirty="0" smtClean="0"/>
+            <a:endParaRPr lang="en-US" altLang="zh-TW" sz="700" dirty="0"/>
           </a:p>
           <a:p>
             <a:pPr lvl="2">
@@ -5165,15 +6147,15 @@
               </a:lnSpc>
             </a:pPr>
             <a:r>
-              <a:rPr lang="en-US" altLang="zh-TW" sz="1600" dirty="0" smtClean="0"/>
+              <a:rPr lang="en-US" altLang="zh-TW" sz="1600" dirty="0"/>
               <a:t>13 classes </a:t>
             </a:r>
             <a:r>
-              <a:rPr lang="en-US" altLang="zh-TW" sz="1200" dirty="0" smtClean="0"/>
+              <a:rPr lang="en-US" altLang="zh-TW" sz="1200" dirty="0"/>
               <a:t>(id 1~13)</a:t>
             </a:r>
             <a:r>
-              <a:rPr lang="en-US" altLang="zh-TW" sz="1600" dirty="0" smtClean="0"/>
+              <a:rPr lang="en-US" altLang="zh-TW" sz="1600" dirty="0"/>
               <a:t>, each class has 15 training documents.</a:t>
             </a:r>
           </a:p>
@@ -5187,16 +6169,10 @@
               <a:rPr lang="en-US" altLang="zh-TW" sz="1600" dirty="0">
                 <a:hlinkClick r:id="rId3"/>
               </a:rPr>
-              <a:t>https://</a:t>
-            </a:r>
-            <a:r>
-              <a:rPr lang="en-US" altLang="zh-TW" sz="1600" dirty="0" smtClean="0">
-                <a:hlinkClick r:id="rId3"/>
-              </a:rPr>
-              <a:t>ceiba.ntu.edu.tw/course/88ca22/content/training.txt</a:t>
-            </a:r>
-            <a:r>
-              <a:rPr lang="en-US" altLang="zh-TW" sz="1600" dirty="0" smtClean="0"/>
+              <a:t>https://ceiba.ntu.edu.tw/course/88ca22/content/training.txt</a:t>
+            </a:r>
+            <a:r>
+              <a:rPr lang="en-US" altLang="zh-TW" sz="1600" dirty="0"/>
               <a:t>   </a:t>
             </a:r>
           </a:p>
@@ -5206,7 +6182,7 @@
                 <a:spcPct val="90000"/>
               </a:lnSpc>
             </a:pPr>
-            <a:endParaRPr lang="en-US" altLang="zh-TW" sz="1600" dirty="0" smtClean="0"/>
+            <a:endParaRPr lang="en-US" altLang="zh-TW" sz="1600" dirty="0"/>
           </a:p>
           <a:p>
             <a:pPr lvl="2">
@@ -5214,7 +6190,7 @@
                 <a:spcPct val="90000"/>
               </a:lnSpc>
             </a:pPr>
-            <a:endParaRPr lang="en-US" altLang="zh-TW" sz="1600" dirty="0" smtClean="0"/>
+            <a:endParaRPr lang="en-US" altLang="zh-TW" sz="1600" dirty="0"/>
           </a:p>
           <a:p>
             <a:pPr lvl="2">
@@ -5222,7 +6198,7 @@
                 <a:spcPct val="90000"/>
               </a:lnSpc>
             </a:pPr>
-            <a:endParaRPr lang="en-US" altLang="zh-TW" sz="1600" dirty="0" smtClean="0"/>
+            <a:endParaRPr lang="en-US" altLang="zh-TW" sz="1600" dirty="0"/>
           </a:p>
           <a:p>
             <a:pPr lvl="2">
@@ -5230,7 +6206,7 @@
                 <a:spcPct val="90000"/>
               </a:lnSpc>
             </a:pPr>
-            <a:endParaRPr lang="en-US" altLang="zh-TW" sz="1600" dirty="0" smtClean="0"/>
+            <a:endParaRPr lang="en-US" altLang="zh-TW" sz="1600" dirty="0"/>
           </a:p>
           <a:p>
             <a:pPr lvl="2">
@@ -5238,7 +6214,7 @@
                 <a:spcPct val="90000"/>
               </a:lnSpc>
             </a:pPr>
-            <a:endParaRPr lang="en-US" altLang="zh-TW" sz="1600" dirty="0" smtClean="0"/>
+            <a:endParaRPr lang="en-US" altLang="zh-TW" sz="1600" dirty="0"/>
           </a:p>
           <a:p>
             <a:pPr lvl="2">
@@ -5246,7 +6222,7 @@
                 <a:spcPct val="90000"/>
               </a:lnSpc>
             </a:pPr>
-            <a:endParaRPr lang="en-US" altLang="zh-TW" sz="1600" dirty="0" smtClean="0"/>
+            <a:endParaRPr lang="en-US" altLang="zh-TW" sz="1600" dirty="0"/>
           </a:p>
           <a:p>
             <a:pPr lvl="2">
@@ -5254,7 +6230,7 @@
                 <a:spcPct val="90000"/>
               </a:lnSpc>
             </a:pPr>
-            <a:endParaRPr lang="en-US" altLang="zh-TW" sz="1600" dirty="0" smtClean="0"/>
+            <a:endParaRPr lang="en-US" altLang="zh-TW" sz="1600" dirty="0"/>
           </a:p>
           <a:p>
             <a:pPr lvl="2">
@@ -5262,7 +6238,7 @@
                 <a:spcPct val="90000"/>
               </a:lnSpc>
             </a:pPr>
-            <a:endParaRPr lang="en-US" altLang="zh-TW" sz="700" dirty="0" smtClean="0"/>
+            <a:endParaRPr lang="en-US" altLang="zh-TW" sz="700" dirty="0"/>
           </a:p>
           <a:p>
             <a:pPr lvl="2">
@@ -5271,7 +6247,7 @@
               </a:lnSpc>
             </a:pPr>
             <a:r>
-              <a:rPr lang="en-US" altLang="zh-TW" sz="1600" dirty="0" smtClean="0"/>
+              <a:rPr lang="en-US" altLang="zh-TW" sz="1600" dirty="0"/>
               <a:t>The remaining documents are for testing.</a:t>
             </a:r>
           </a:p>
@@ -5282,15 +6258,15 @@
               </a:lnSpc>
             </a:pPr>
             <a:r>
-              <a:rPr lang="en-US" altLang="zh-TW" sz="1600" dirty="0" smtClean="0"/>
+              <a:rPr lang="en-US" altLang="zh-TW" sz="1600" dirty="0"/>
               <a:t>Send your result to </a:t>
             </a:r>
             <a:r>
-              <a:rPr lang="en-US" altLang="zh-TW" sz="1600" dirty="0" err="1" smtClean="0"/>
+              <a:rPr lang="en-US" altLang="zh-TW" sz="1600" dirty="0" err="1"/>
               <a:t>Kaggle</a:t>
             </a:r>
             <a:r>
-              <a:rPr lang="en-US" altLang="zh-TW" sz="1600" dirty="0" smtClean="0"/>
+              <a:rPr lang="en-US" altLang="zh-TW" sz="1600" dirty="0"/>
               <a:t>.</a:t>
             </a:r>
           </a:p>
@@ -5310,17 +6286,12 @@
             </a:r>
             <a:r>
               <a:rPr lang="zh-TW" altLang="en-US" sz="1600" dirty="0"/>
-              <a:t>教學詳細</a:t>
-            </a:r>
-            <a:r>
-              <a:rPr lang="zh-TW" altLang="en-US" sz="1600" dirty="0" smtClean="0"/>
-              <a:t>版</a:t>
-            </a:r>
-            <a:r>
-              <a:rPr lang="en-US" altLang="zh-TW" sz="1600" dirty="0" smtClean="0"/>
+              <a:t>教學詳細版</a:t>
+            </a:r>
+            <a:r>
+              <a:rPr lang="en-US" altLang="zh-TW" sz="1600" dirty="0"/>
               <a:t>.pdf for the detail of the output format</a:t>
             </a:r>
-            <a:endParaRPr lang="en-US" altLang="zh-TW" sz="1600" dirty="0" smtClean="0"/>
           </a:p>
           <a:p>
             <a:pPr lvl="3">
@@ -5328,7 +6299,7 @@
                 <a:spcPct val="90000"/>
               </a:lnSpc>
             </a:pPr>
-            <a:endParaRPr lang="en-US" altLang="zh-TW" sz="1600" dirty="0" smtClean="0"/>
+            <a:endParaRPr lang="en-US" altLang="zh-TW" sz="1600" dirty="0"/>
           </a:p>
         </p:txBody>
       </p:sp>
@@ -5408,7 +6379,7 @@
           <a:p>
             <a:pPr marL="457200" indent="-457200"/>
             <a:r>
-              <a:rPr lang="en-US" altLang="zh-TW" sz="1600" dirty="0" err="1" smtClean="0">
+              <a:rPr lang="en-US" altLang="zh-TW" sz="1600" dirty="0" err="1">
                 <a:solidFill>
                   <a:srgbClr val="969696"/>
                 </a:solidFill>
@@ -5416,18 +6387,13 @@
               <a:t>class_id</a:t>
             </a:r>
             <a:r>
-              <a:rPr lang="en-US" altLang="zh-TW" sz="1600" dirty="0" smtClean="0">
+              <a:rPr lang="en-US" altLang="zh-TW" sz="1600" dirty="0">
                 <a:solidFill>
                   <a:srgbClr val="969696"/>
                 </a:solidFill>
               </a:rPr>
               <a:t>   training doc ids</a:t>
             </a:r>
-            <a:endParaRPr lang="en-US" altLang="zh-TW" sz="1600" dirty="0">
-              <a:solidFill>
-                <a:srgbClr val="969696"/>
-              </a:solidFill>
-            </a:endParaRPr>
           </a:p>
           <a:p>
             <a:pPr marL="457200" indent="-457200">
@@ -5436,13 +6402,8 @@
             </a:pPr>
             <a:r>
               <a:rPr lang="en-US" altLang="zh-TW" sz="1600" dirty="0"/>
-              <a:t>   </a:t>
-            </a:r>
-            <a:r>
-              <a:rPr lang="en-US" altLang="zh-TW" sz="1600" dirty="0" smtClean="0"/>
-              <a:t>  11 19 29 113 …</a:t>
-            </a:r>
-            <a:endParaRPr lang="en-US" altLang="zh-TW" sz="1600" dirty="0"/>
+              <a:t>     11 19 29 113 …</a:t>
+            </a:r>
           </a:p>
           <a:p>
             <a:pPr marL="457200" indent="-457200">
@@ -5451,18 +6412,13 @@
             </a:pPr>
             <a:r>
               <a:rPr lang="en-US" altLang="zh-TW" sz="1600" dirty="0"/>
-              <a:t>   </a:t>
-            </a:r>
-            <a:r>
-              <a:rPr lang="en-US" altLang="zh-TW" sz="1600" dirty="0" smtClean="0"/>
-              <a:t>  1 2 3 4 …</a:t>
-            </a:r>
-            <a:endParaRPr lang="en-US" altLang="zh-TW" sz="1600" dirty="0"/>
+              <a:t>     1 2 3 4 …</a:t>
+            </a:r>
           </a:p>
           <a:p>
             <a:pPr marL="457200" indent="-457200"/>
             <a:r>
-              <a:rPr lang="en-US" altLang="zh-TW" sz="1600" dirty="0" smtClean="0">
+              <a:rPr lang="en-US" altLang="zh-TW" sz="1600" dirty="0">
                 <a:latin typeface="Arial"/>
               </a:rPr>
               <a:t>…</a:t>
@@ -5471,7 +6427,7 @@
           <a:p>
             <a:pPr marL="457200" indent="-457200"/>
             <a:r>
-              <a:rPr lang="en-US" altLang="zh-TW" sz="1600" dirty="0" smtClean="0">
+              <a:rPr lang="en-US" altLang="zh-TW" sz="1600" dirty="0">
                 <a:latin typeface="Arial"/>
               </a:rPr>
               <a:t>13	     485 520 523 …</a:t>
@@ -5512,10 +6468,9 @@
           <a:lstStyle/>
           <a:p>
             <a:r>
-              <a:rPr lang="en-US" altLang="zh-TW" sz="1600" dirty="0" smtClean="0"/>
+              <a:rPr lang="en-US" altLang="zh-TW" sz="1600" dirty="0"/>
               <a:t>training.txt</a:t>
             </a:r>
-            <a:endParaRPr lang="en-US" altLang="zh-TW" sz="1600" dirty="0"/>
           </a:p>
         </p:txBody>
       </p:sp>
@@ -5969,7 +6924,7 @@
           <a:lstStyle/>
           <a:p>
             <a:r>
-              <a:rPr lang="en-US" altLang="zh-TW" sz="4000" dirty="0" smtClean="0"/>
+              <a:rPr lang="en-US" altLang="zh-TW" sz="4000" dirty="0"/>
               <a:t>Programming Assignment 3 (2/3)</a:t>
             </a:r>
             <a:endParaRPr lang="zh-TW" altLang="en-US" sz="4000" dirty="0"/>
@@ -5997,7 +6952,7 @@
               </a:lnSpc>
             </a:pPr>
             <a:r>
-              <a:rPr lang="en-US" altLang="zh-TW" sz="2400" dirty="0" smtClean="0"/>
+              <a:rPr lang="en-US" altLang="zh-TW" sz="2400" dirty="0"/>
               <a:t>Note:</a:t>
             </a:r>
           </a:p>
@@ -6008,47 +6963,47 @@
               </a:lnSpc>
             </a:pPr>
             <a:r>
-              <a:rPr lang="en-US" altLang="zh-TW" sz="2000" dirty="0" smtClean="0"/>
+              <a:rPr lang="en-US" altLang="zh-TW" sz="2000" dirty="0"/>
               <a:t>For each class, you have to calculate </a:t>
             </a:r>
             <a:r>
-              <a:rPr lang="en-US" altLang="zh-TW" sz="2000" i="1" dirty="0" smtClean="0"/>
+              <a:rPr lang="en-US" altLang="zh-TW" sz="2000" i="1" dirty="0"/>
               <a:t>M</a:t>
             </a:r>
             <a:r>
-              <a:rPr lang="en-US" altLang="zh-TW" sz="2000" dirty="0" smtClean="0"/>
+              <a:rPr lang="en-US" altLang="zh-TW" sz="2000" dirty="0"/>
               <a:t> </a:t>
             </a:r>
             <a:r>
-              <a:rPr lang="en-US" altLang="zh-TW" sz="2000" i="1" dirty="0" smtClean="0"/>
+              <a:rPr lang="en-US" altLang="zh-TW" sz="2000" i="1" dirty="0"/>
               <a:t>P</a:t>
             </a:r>
             <a:r>
-              <a:rPr lang="en-US" altLang="zh-TW" sz="2000" dirty="0" smtClean="0"/>
+              <a:rPr lang="en-US" altLang="zh-TW" sz="2000" dirty="0"/>
               <a:t>(</a:t>
             </a:r>
             <a:r>
-              <a:rPr lang="en-US" altLang="zh-TW" sz="2000" i="1" dirty="0" smtClean="0"/>
+              <a:rPr lang="en-US" altLang="zh-TW" sz="2000" i="1" dirty="0"/>
               <a:t>X</a:t>
             </a:r>
             <a:r>
-              <a:rPr lang="en-US" altLang="zh-TW" sz="2000" dirty="0" smtClean="0"/>
+              <a:rPr lang="en-US" altLang="zh-TW" sz="2000" dirty="0"/>
               <a:t>=</a:t>
             </a:r>
             <a:r>
-              <a:rPr lang="en-US" altLang="zh-TW" sz="2000" i="1" dirty="0" err="1" smtClean="0"/>
+              <a:rPr lang="en-US" altLang="zh-TW" sz="2000" i="1" dirty="0" err="1"/>
               <a:t>t</a:t>
             </a:r>
             <a:r>
-              <a:rPr lang="en-US" altLang="zh-TW" sz="2000" dirty="0" err="1" smtClean="0"/>
+              <a:rPr lang="en-US" altLang="zh-TW" sz="2000" dirty="0" err="1"/>
               <a:t>|</a:t>
             </a:r>
             <a:r>
-              <a:rPr lang="en-US" altLang="zh-TW" sz="2000" i="1" dirty="0" err="1" smtClean="0"/>
+              <a:rPr lang="en-US" altLang="zh-TW" sz="2000" i="1" dirty="0" err="1"/>
               <a:t>c</a:t>
             </a:r>
             <a:r>
-              <a:rPr lang="en-US" altLang="zh-TW" sz="2000" dirty="0" smtClean="0"/>
+              <a:rPr lang="en-US" altLang="zh-TW" sz="2000" dirty="0"/>
               <a:t>) parameters.</a:t>
             </a:r>
           </a:p>
@@ -6059,11 +7014,11 @@
               </a:lnSpc>
             </a:pPr>
             <a:r>
-              <a:rPr lang="en-US" altLang="zh-TW" sz="1600" i="1" dirty="0" smtClean="0"/>
+              <a:rPr lang="en-US" altLang="zh-TW" sz="1600" i="1" dirty="0"/>
               <a:t>M</a:t>
             </a:r>
             <a:r>
-              <a:rPr lang="en-US" altLang="zh-TW" sz="1600" dirty="0" smtClean="0"/>
+              <a:rPr lang="en-US" altLang="zh-TW" sz="1600" dirty="0"/>
               <a:t> is the size of your vocabulary.</a:t>
             </a:r>
           </a:p>
@@ -6074,32 +7029,32 @@
               </a:lnSpc>
             </a:pPr>
             <a:r>
-              <a:rPr lang="en-US" altLang="zh-TW" sz="2000" dirty="0" smtClean="0"/>
+              <a:rPr lang="en-US" altLang="zh-TW" sz="2000" dirty="0"/>
               <a:t>Then, the total number of parameters in your system will be |</a:t>
             </a:r>
             <a:r>
-              <a:rPr lang="en-US" altLang="zh-TW" sz="2000" i="1" dirty="0" smtClean="0"/>
+              <a:rPr lang="en-US" altLang="zh-TW" sz="2000" i="1" dirty="0"/>
               <a:t>C</a:t>
             </a:r>
             <a:r>
-              <a:rPr lang="en-US" altLang="zh-TW" sz="2000" dirty="0" smtClean="0"/>
+              <a:rPr lang="en-US" altLang="zh-TW" sz="2000" dirty="0"/>
               <a:t>|*</a:t>
             </a:r>
             <a:r>
-              <a:rPr lang="en-US" altLang="zh-TW" sz="2000" i="1" dirty="0" smtClean="0"/>
+              <a:rPr lang="en-US" altLang="zh-TW" sz="2000" i="1" dirty="0"/>
               <a:t>M</a:t>
             </a:r>
             <a:r>
-              <a:rPr lang="en-US" altLang="zh-TW" sz="2000" dirty="0" smtClean="0"/>
+              <a:rPr lang="en-US" altLang="zh-TW" sz="2000" dirty="0"/>
               <a:t> </a:t>
             </a:r>
             <a:r>
-              <a:rPr lang="en-US" altLang="zh-TW" sz="2000" dirty="0" smtClean="0">
+              <a:rPr lang="en-US" altLang="zh-TW" sz="2000" dirty="0">
                 <a:sym typeface="Wingdings" pitchFamily="2" charset="2"/>
               </a:rPr>
               <a:t> can be a huge number.</a:t>
             </a:r>
-            <a:endParaRPr lang="en-US" altLang="zh-TW" sz="2000" dirty="0" smtClean="0"/>
+            <a:endParaRPr lang="en-US" altLang="zh-TW" sz="2000" dirty="0"/>
           </a:p>
           <a:p>
             <a:pPr marL="928687" lvl="1" indent="-457200">
@@ -6107,7 +7062,7 @@
                 <a:spcPct val="90000"/>
               </a:lnSpc>
             </a:pPr>
-            <a:endParaRPr lang="en-US" altLang="zh-TW" sz="1000" dirty="0" smtClean="0"/>
+            <a:endParaRPr lang="en-US" altLang="zh-TW" sz="1000" dirty="0"/>
           </a:p>
           <a:p>
             <a:pPr marL="928687" lvl="1" indent="-457200">
@@ -6116,7 +7071,7 @@
               </a:lnSpc>
             </a:pPr>
             <a:r>
-              <a:rPr lang="en-US" altLang="zh-TW" sz="2000" dirty="0" smtClean="0"/>
+              <a:rPr lang="en-US" altLang="zh-TW" sz="2000" dirty="0"/>
               <a:t>We know that many terms in the vocabulary are not indicative.</a:t>
             </a:r>
           </a:p>
@@ -6126,7 +7081,7 @@
                 <a:spcPct val="90000"/>
               </a:lnSpc>
             </a:pPr>
-            <a:endParaRPr lang="en-US" altLang="zh-TW" sz="1000" dirty="0" smtClean="0"/>
+            <a:endParaRPr lang="en-US" altLang="zh-TW" sz="1000" dirty="0"/>
           </a:p>
           <a:p>
             <a:pPr marL="928687" lvl="1" indent="-457200">
@@ -6135,19 +7090,19 @@
               </a:lnSpc>
             </a:pPr>
             <a:r>
-              <a:rPr lang="en-US" altLang="zh-TW" sz="2000" b="1" dirty="0" smtClean="0"/>
+              <a:rPr lang="en-US" altLang="zh-TW" sz="2000" b="1" dirty="0"/>
               <a:t>Employ at least one feature selection method </a:t>
             </a:r>
             <a:r>
-              <a:rPr lang="en-US" altLang="zh-TW" sz="2000" dirty="0" smtClean="0"/>
+              <a:rPr lang="en-US" altLang="zh-TW" sz="2000" dirty="0"/>
               <a:t>and use only </a:t>
             </a:r>
             <a:r>
-              <a:rPr lang="en-US" altLang="zh-TW" sz="2000" b="1" u="sng" dirty="0" smtClean="0"/>
+              <a:rPr lang="en-US" altLang="zh-TW" sz="2000" b="1" u="sng" dirty="0"/>
               <a:t>500 terms</a:t>
             </a:r>
             <a:r>
-              <a:rPr lang="en-US" altLang="zh-TW" sz="2000" dirty="0" smtClean="0"/>
+              <a:rPr lang="en-US" altLang="zh-TW" sz="2000" dirty="0"/>
               <a:t> in your classification.</a:t>
             </a:r>
           </a:p>
@@ -6158,15 +7113,15 @@
               </a:lnSpc>
             </a:pPr>
             <a:r>
-              <a:rPr lang="el-GR" altLang="zh-TW" sz="1600" i="1" dirty="0" smtClean="0"/>
+              <a:rPr lang="el-GR" altLang="zh-TW" sz="1600" i="1" dirty="0"/>
               <a:t>Χ</a:t>
             </a:r>
             <a:r>
-              <a:rPr lang="en-US" altLang="zh-TW" sz="1600" baseline="30000" dirty="0" smtClean="0"/>
+              <a:rPr lang="en-US" altLang="zh-TW" sz="1600" baseline="30000" dirty="0"/>
               <a:t>2</a:t>
             </a:r>
             <a:r>
-              <a:rPr lang="en-US" altLang="zh-TW" sz="1600" dirty="0" smtClean="0"/>
+              <a:rPr lang="en-US" altLang="zh-TW" sz="1600" dirty="0"/>
               <a:t> test.</a:t>
             </a:r>
           </a:p>
@@ -6177,7 +7132,7 @@
               </a:lnSpc>
             </a:pPr>
             <a:r>
-              <a:rPr lang="en-US" altLang="zh-TW" sz="1600" dirty="0" smtClean="0"/>
+              <a:rPr lang="en-US" altLang="zh-TW" sz="1600" dirty="0"/>
               <a:t>Likelihood ratio.</a:t>
             </a:r>
           </a:p>
@@ -6188,11 +7143,11 @@
               </a:lnSpc>
             </a:pPr>
             <a:r>
-              <a:rPr lang="en-US" altLang="zh-TW" sz="1600" dirty="0" err="1" smtClean="0"/>
+              <a:rPr lang="en-US" altLang="zh-TW" sz="1600" dirty="0" err="1"/>
               <a:t>Pointwise</a:t>
             </a:r>
             <a:r>
-              <a:rPr lang="en-US" altLang="zh-TW" sz="1600" dirty="0" smtClean="0"/>
+              <a:rPr lang="en-US" altLang="zh-TW" sz="1600" dirty="0"/>
               <a:t>/expected MI. </a:t>
             </a:r>
           </a:p>
@@ -6203,7 +7158,7 @@
               </a:lnSpc>
             </a:pPr>
             <a:r>
-              <a:rPr lang="en-US" altLang="zh-TW" sz="1600" dirty="0" smtClean="0"/>
+              <a:rPr lang="en-US" altLang="zh-TW" sz="1600" dirty="0"/>
               <a:t>Frequency-based methods.</a:t>
             </a:r>
           </a:p>
@@ -6213,7 +7168,7 @@
                 <a:spcPct val="90000"/>
               </a:lnSpc>
             </a:pPr>
-            <a:endParaRPr lang="en-US" altLang="zh-TW" sz="1000" dirty="0" smtClean="0"/>
+            <a:endParaRPr lang="en-US" altLang="zh-TW" sz="1000" dirty="0"/>
           </a:p>
           <a:p>
             <a:pPr marL="928687" lvl="1" indent="-457200">
@@ -6222,7 +7177,7 @@
               </a:lnSpc>
             </a:pPr>
             <a:r>
-              <a:rPr lang="en-US" altLang="zh-TW" dirty="0" smtClean="0"/>
+              <a:rPr lang="en-US" altLang="zh-TW" dirty="0"/>
               <a:t>When classify a testing document, terms not in the selected vocabulary are ignored.</a:t>
             </a:r>
             <a:endParaRPr lang="zh-TW" altLang="en-US" sz="2000" dirty="0"/>
@@ -6859,7 +7814,7 @@
           <a:lstStyle/>
           <a:p>
             <a:r>
-              <a:rPr lang="en-US" altLang="zh-TW" sz="4000" dirty="0" smtClean="0"/>
+              <a:rPr lang="en-US" altLang="zh-TW" sz="4000" dirty="0"/>
               <a:t>Programming Assignment 3 (3/3)</a:t>
             </a:r>
             <a:endParaRPr lang="zh-TW" altLang="en-US" sz="4000" dirty="0"/>
@@ -6887,39 +7842,39 @@
               </a:lnSpc>
             </a:pPr>
             <a:r>
-              <a:rPr lang="en-US" altLang="zh-TW" sz="2400" dirty="0" smtClean="0"/>
+              <a:rPr lang="en-US" altLang="zh-TW" sz="2400" dirty="0"/>
               <a:t>To avoid zero probabilities, calculate </a:t>
             </a:r>
             <a:r>
-              <a:rPr lang="en-US" altLang="zh-TW" sz="2400" i="1" dirty="0" smtClean="0"/>
+              <a:rPr lang="en-US" altLang="zh-TW" sz="2400" i="1" dirty="0"/>
               <a:t>P</a:t>
             </a:r>
             <a:r>
-              <a:rPr lang="en-US" altLang="zh-TW" sz="2400" dirty="0" smtClean="0"/>
+              <a:rPr lang="en-US" altLang="zh-TW" sz="2400" dirty="0"/>
               <a:t>(</a:t>
             </a:r>
             <a:r>
-              <a:rPr lang="en-US" altLang="zh-TW" sz="2400" i="1" dirty="0" smtClean="0"/>
+              <a:rPr lang="en-US" altLang="zh-TW" sz="2400" i="1" dirty="0"/>
               <a:t>X</a:t>
             </a:r>
             <a:r>
-              <a:rPr lang="en-US" altLang="zh-TW" sz="2400" dirty="0" smtClean="0"/>
+              <a:rPr lang="en-US" altLang="zh-TW" sz="2400" dirty="0"/>
               <a:t>=</a:t>
             </a:r>
             <a:r>
-              <a:rPr lang="en-US" altLang="zh-TW" sz="2400" i="1" dirty="0" err="1" smtClean="0"/>
+              <a:rPr lang="en-US" altLang="zh-TW" sz="2400" i="1" dirty="0" err="1"/>
               <a:t>t</a:t>
             </a:r>
             <a:r>
-              <a:rPr lang="en-US" altLang="zh-TW" sz="2400" dirty="0" err="1" smtClean="0"/>
+              <a:rPr lang="en-US" altLang="zh-TW" sz="2400" dirty="0" err="1"/>
               <a:t>|</a:t>
             </a:r>
             <a:r>
-              <a:rPr lang="en-US" altLang="zh-TW" sz="2400" i="1" dirty="0" err="1" smtClean="0"/>
+              <a:rPr lang="en-US" altLang="zh-TW" sz="2400" i="1" dirty="0" err="1"/>
               <a:t>c</a:t>
             </a:r>
             <a:r>
-              <a:rPr lang="en-US" altLang="zh-TW" sz="2400" dirty="0" smtClean="0"/>
+              <a:rPr lang="en-US" altLang="zh-TW" sz="2400" dirty="0"/>
               <a:t>) by using add-one smoothing.</a:t>
             </a:r>
           </a:p>
@@ -6929,7 +7884,7 @@
                 <a:spcPct val="90000"/>
               </a:lnSpc>
             </a:pPr>
-            <a:endParaRPr lang="en-US" altLang="zh-TW" sz="2400" dirty="0" smtClean="0"/>
+            <a:endParaRPr lang="en-US" altLang="zh-TW" sz="2400" dirty="0"/>
           </a:p>
           <a:p>
             <a:pPr>
@@ -6937,7 +7892,7 @@
                 <a:spcPct val="90000"/>
               </a:lnSpc>
             </a:pPr>
-            <a:endParaRPr lang="en-US" altLang="zh-TW" sz="2400" dirty="0" smtClean="0"/>
+            <a:endParaRPr lang="en-US" altLang="zh-TW" sz="2400" dirty="0"/>
           </a:p>
           <a:p>
             <a:pPr>
@@ -6945,7 +7900,7 @@
                 <a:spcPct val="90000"/>
               </a:lnSpc>
             </a:pPr>
-            <a:endParaRPr lang="en-US" altLang="zh-TW" sz="2400" dirty="0" smtClean="0"/>
+            <a:endParaRPr lang="en-US" altLang="zh-TW" sz="2400" dirty="0"/>
           </a:p>
           <a:p>
             <a:pPr>
@@ -6953,7 +7908,7 @@
                 <a:spcPct val="90000"/>
               </a:lnSpc>
             </a:pPr>
-            <a:endParaRPr lang="en-US" altLang="zh-TW" sz="2000" dirty="0" smtClean="0"/>
+            <a:endParaRPr lang="en-US" altLang="zh-TW" sz="2000" dirty="0"/>
           </a:p>
           <a:p>
             <a:pPr>
@@ -6962,15 +7917,15 @@
               </a:lnSpc>
             </a:pPr>
             <a:r>
-              <a:rPr lang="en-US" altLang="zh-TW" sz="2000" dirty="0" smtClean="0"/>
+              <a:rPr lang="en-US" altLang="zh-TW" sz="2000" dirty="0"/>
               <a:t>Test your result on </a:t>
             </a:r>
             <a:r>
-              <a:rPr lang="en-US" altLang="zh-TW" sz="2000" dirty="0" err="1" smtClean="0"/>
+              <a:rPr lang="en-US" altLang="zh-TW" sz="2000" dirty="0" err="1"/>
               <a:t>Kaggle</a:t>
             </a:r>
             <a:r>
-              <a:rPr lang="en-US" altLang="zh-TW" sz="2000" dirty="0" smtClean="0"/>
+              <a:rPr lang="en-US" altLang="zh-TW" sz="2000" dirty="0"/>
               <a:t>!!</a:t>
             </a:r>
           </a:p>
@@ -6980,7 +7935,7 @@
                 <a:spcPct val="90000"/>
               </a:lnSpc>
             </a:pPr>
-            <a:endParaRPr lang="en-US" altLang="zh-TW" sz="2000" dirty="0" smtClean="0"/>
+            <a:endParaRPr lang="en-US" altLang="zh-TW" sz="2000" dirty="0"/>
           </a:p>
           <a:p>
             <a:pPr>
@@ -6989,23 +7944,23 @@
               </a:lnSpc>
             </a:pPr>
             <a:r>
-              <a:rPr lang="en-US" altLang="zh-TW" sz="2000" dirty="0" smtClean="0"/>
+              <a:rPr lang="en-US" altLang="zh-TW" sz="2000" dirty="0"/>
               <a:t>Please zip and submit </a:t>
             </a:r>
             <a:r>
-              <a:rPr lang="en-US" altLang="zh-TW" sz="2000" baseline="30000" dirty="0" smtClean="0"/>
+              <a:rPr lang="en-US" altLang="zh-TW" sz="2000" baseline="30000" dirty="0"/>
               <a:t>1.</a:t>
             </a:r>
             <a:r>
-              <a:rPr lang="en-US" altLang="zh-TW" sz="2000" dirty="0" smtClean="0"/>
+              <a:rPr lang="en-US" altLang="zh-TW" sz="2000" dirty="0"/>
               <a:t>source code and </a:t>
             </a:r>
             <a:r>
-              <a:rPr lang="en-US" altLang="zh-TW" sz="2000" baseline="30000" dirty="0" smtClean="0"/>
+              <a:rPr lang="en-US" altLang="zh-TW" sz="2000" baseline="30000" dirty="0"/>
               <a:t>2.</a:t>
             </a:r>
             <a:r>
-              <a:rPr lang="en-US" altLang="zh-TW" sz="2000" dirty="0" smtClean="0"/>
+              <a:rPr lang="en-US" altLang="zh-TW" sz="2000" dirty="0"/>
               <a:t>a report to TA.</a:t>
             </a:r>
           </a:p>
@@ -7016,11 +7971,11 @@
               </a:lnSpc>
             </a:pPr>
             <a:r>
-              <a:rPr lang="en-US" altLang="zh-TW" sz="1800" dirty="0" smtClean="0"/>
+              <a:rPr lang="en-US" altLang="zh-TW" sz="1800" dirty="0"/>
               <a:t>3 weeks to complete, that is, </a:t>
             </a:r>
             <a:r>
-              <a:rPr lang="en-US" altLang="zh-TW" sz="1800" b="1" dirty="0" smtClean="0">
+              <a:rPr lang="en-US" altLang="zh-TW" sz="1800" b="1" dirty="0">
                 <a:solidFill>
                   <a:srgbClr val="FF0000"/>
                 </a:solidFill>
@@ -7028,7 +7983,7 @@
               <a:t>2018/12/11</a:t>
             </a:r>
             <a:r>
-              <a:rPr lang="en-US" altLang="zh-TW" sz="1800" dirty="0" smtClean="0"/>
+              <a:rPr lang="en-US" altLang="zh-TW" sz="1800" dirty="0"/>
               <a:t>.</a:t>
             </a:r>
           </a:p>
@@ -7038,7 +7993,7 @@
                 <a:spcPct val="90000"/>
               </a:lnSpc>
             </a:pPr>
-            <a:endParaRPr lang="en-US" altLang="zh-TW" sz="1800" dirty="0" smtClean="0"/>
+            <a:endParaRPr lang="en-US" altLang="zh-TW" sz="1800" dirty="0"/>
           </a:p>
         </p:txBody>
       </p:sp>
@@ -7087,7 +8042,7 @@
           <a:graphicData uri="http://schemas.openxmlformats.org/presentationml/2006/ole">
             <mc:AlternateContent xmlns:mc="http://schemas.openxmlformats.org/markup-compatibility/2006">
               <mc:Choice xmlns:v="urn:schemas-microsoft-com:vml" Requires="v">
-                <p:oleObj spid="_x0000_s1042" name="方程式" r:id="rId3" imgW="2908080" imgH="482400" progId="Equation.3">
+                <p:oleObj spid="_x0000_s1044" name="方程式" r:id="rId3" imgW="2908080" imgH="482400" progId="Equation.3">
                   <p:embed/>
                 </p:oleObj>
               </mc:Choice>

--- a/HW3/PA-3/PA-3.pptx
+++ b/HW3/PA-3/PA-3.pptx
@@ -1413,7 +1413,7 @@
                 <a:ea typeface="新細明體" pitchFamily="18" charset="-120"/>
                 <a:cs typeface="+mn-cs"/>
               </a:rPr>
-              <a:t>doc</a:t>
+              <a:t>doc(13*15=195)</a:t>
             </a:r>
             <a:r>
               <a:rPr kumimoji="1" lang="zh-CN" altLang="en-US" sz="1400" b="0" i="0" kern="1200" dirty="0">
@@ -8042,7 +8042,7 @@
           <a:graphicData uri="http://schemas.openxmlformats.org/presentationml/2006/ole">
             <mc:AlternateContent xmlns:mc="http://schemas.openxmlformats.org/markup-compatibility/2006">
               <mc:Choice xmlns:v="urn:schemas-microsoft-com:vml" Requires="v">
-                <p:oleObj spid="_x0000_s1044" name="方程式" r:id="rId3" imgW="2908080" imgH="482400" progId="Equation.3">
+                <p:oleObj spid="_x0000_s1045" name="方程式" r:id="rId3" imgW="2908080" imgH="482400" progId="Equation.3">
                   <p:embed/>
                 </p:oleObj>
               </mc:Choice>
